--- a/lecture_12/bootstrapping/12_Parameter_Confidence_Intervals_With_Bootstrapping.pptx
+++ b/lecture_12/bootstrapping/12_Parameter_Confidence_Intervals_With_Bootstrapping.pptx
@@ -16,10 +16,10 @@
     <p:sldId id="370" r:id="rId4"/>
     <p:sldId id="385" r:id="rId5"/>
     <p:sldId id="258" r:id="rId6"/>
-    <p:sldId id="387" r:id="rId7"/>
-    <p:sldId id="388" r:id="rId8"/>
-    <p:sldId id="389" r:id="rId9"/>
-    <p:sldId id="390" r:id="rId10"/>
+    <p:sldId id="367" r:id="rId7"/>
+    <p:sldId id="387" r:id="rId8"/>
+    <p:sldId id="388" r:id="rId9"/>
+    <p:sldId id="389" r:id="rId10"/>
   </p:sldIdLst>
   <p:sldSz cx="9144000" cy="6858000" type="screen4x3"/>
   <p:notesSz cx="6858000" cy="9144000"/>
@@ -158,10 +158,10 @@
             <p14:sldId id="370"/>
             <p14:sldId id="385"/>
             <p14:sldId id="258"/>
+            <p14:sldId id="367"/>
             <p14:sldId id="387"/>
             <p14:sldId id="388"/>
             <p14:sldId id="389"/>
-            <p14:sldId id="390"/>
           </p14:sldIdLst>
         </p14:section>
       </p14:sectionLst>
@@ -299,7 +299,7 @@
               <a:pPr>
                 <a:defRPr/>
               </a:pPr>
-              <a:t>1/14/21</a:t>
+              <a:t>1/18/21</a:t>
             </a:fld>
             <a:endParaRPr lang="en-US" altLang="x-none"/>
           </a:p>
@@ -508,7 +508,7 @@
               <a:pPr>
                 <a:defRPr/>
               </a:pPr>
-              <a:t>1/14/21</a:t>
+              <a:t>1/18/21</a:t>
             </a:fld>
             <a:endParaRPr lang="en-US" altLang="x-none"/>
           </a:p>
@@ -8632,6 +8632,326 @@
           <p:cNvPr id="2" name="Title 1">
             <a:extLst>
               <a:ext uri="{FF2B5EF4-FFF2-40B4-BE49-F238E27FC236}">
+                <a16:creationId xmlns:a16="http://schemas.microsoft.com/office/drawing/2014/main" id="{75ABD150-7FF1-2A41-B255-4F99D65A4DDF}"/>
+              </a:ext>
+            </a:extLst>
+          </p:cNvPr>
+          <p:cNvSpPr>
+            <a:spLocks noGrp="1"/>
+          </p:cNvSpPr>
+          <p:nvPr>
+            <p:ph type="title"/>
+          </p:nvPr>
+        </p:nvSpPr>
+        <p:spPr>
+          <a:xfrm>
+            <a:off x="228600" y="228600"/>
+            <a:ext cx="8458200" cy="838200"/>
+          </a:xfrm>
+        </p:spPr>
+        <p:txBody>
+          <a:bodyPr/>
+          <a:lstStyle/>
+          <a:p>
+            <a:r>
+              <a:rPr lang="en-US" dirty="0"/>
+              <a:t>Synthetic Observations With Bootstrapping</a:t>
+            </a:r>
+          </a:p>
+        </p:txBody>
+      </p:sp>
+      <p:sp>
+        <p:nvSpPr>
+          <p:cNvPr id="4" name="Slide Number Placeholder 3">
+            <a:extLst>
+              <a:ext uri="{FF2B5EF4-FFF2-40B4-BE49-F238E27FC236}">
+                <a16:creationId xmlns:a16="http://schemas.microsoft.com/office/drawing/2014/main" id="{BB3E002D-3997-354B-976E-21A5C58840E5}"/>
+              </a:ext>
+            </a:extLst>
+          </p:cNvPr>
+          <p:cNvSpPr>
+            <a:spLocks noGrp="1"/>
+          </p:cNvSpPr>
+          <p:nvPr>
+            <p:ph type="sldNum" sz="quarter" idx="11"/>
+          </p:nvPr>
+        </p:nvSpPr>
+        <p:spPr/>
+        <p:txBody>
+          <a:bodyPr/>
+          <a:lstStyle/>
+          <a:p>
+            <a:pPr>
+              <a:defRPr/>
+            </a:pPr>
+            <a:fld id="{3EF4E9CC-9D91-476E-91FD-5BEEC1642931}" type="slidenum">
+              <a:rPr lang="en-US" altLang="x-none" smtClean="0"/>
+              <a:pPr>
+                <a:defRPr/>
+              </a:pPr>
+              <a:t>6</a:t>
+            </a:fld>
+            <a:endParaRPr lang="en-US" altLang="x-none"/>
+          </a:p>
+        </p:txBody>
+      </p:sp>
+      <p:pic>
+        <p:nvPicPr>
+          <p:cNvPr id="6" name="Picture 5">
+            <a:extLst>
+              <a:ext uri="{FF2B5EF4-FFF2-40B4-BE49-F238E27FC236}">
+                <a16:creationId xmlns:a16="http://schemas.microsoft.com/office/drawing/2014/main" id="{8EF113A2-9A9B-AD4A-994A-45280F35C83A}"/>
+              </a:ext>
+            </a:extLst>
+          </p:cNvPr>
+          <p:cNvPicPr>
+            <a:picLocks noChangeAspect="1"/>
+          </p:cNvPicPr>
+          <p:nvPr/>
+        </p:nvPicPr>
+        <p:blipFill>
+          <a:blip r:embed="rId2"/>
+          <a:stretch>
+            <a:fillRect/>
+          </a:stretch>
+        </p:blipFill>
+        <p:spPr>
+          <a:xfrm>
+            <a:off x="6185710" y="2640862"/>
+            <a:ext cx="2715940" cy="3866300"/>
+          </a:xfrm>
+          <a:prstGeom prst="rect">
+            <a:avLst/>
+          </a:prstGeom>
+        </p:spPr>
+      </p:pic>
+      <p:pic>
+        <p:nvPicPr>
+          <p:cNvPr id="8" name="Picture 7">
+            <a:extLst>
+              <a:ext uri="{FF2B5EF4-FFF2-40B4-BE49-F238E27FC236}">
+                <a16:creationId xmlns:a16="http://schemas.microsoft.com/office/drawing/2014/main" id="{C1DA8FBF-EA10-614F-BF6C-2CD3E5B2AF96}"/>
+              </a:ext>
+            </a:extLst>
+          </p:cNvPr>
+          <p:cNvPicPr>
+            <a:picLocks noChangeAspect="1"/>
+          </p:cNvPicPr>
+          <p:nvPr/>
+        </p:nvPicPr>
+        <p:blipFill>
+          <a:blip r:embed="rId3"/>
+          <a:stretch>
+            <a:fillRect/>
+          </a:stretch>
+        </p:blipFill>
+        <p:spPr>
+          <a:xfrm>
+            <a:off x="314493" y="2544218"/>
+            <a:ext cx="2809707" cy="3962944"/>
+          </a:xfrm>
+          <a:prstGeom prst="rect">
+            <a:avLst/>
+          </a:prstGeom>
+        </p:spPr>
+      </p:pic>
+      <p:pic>
+        <p:nvPicPr>
+          <p:cNvPr id="10" name="Picture 9">
+            <a:extLst>
+              <a:ext uri="{FF2B5EF4-FFF2-40B4-BE49-F238E27FC236}">
+                <a16:creationId xmlns:a16="http://schemas.microsoft.com/office/drawing/2014/main" id="{61E84951-C0B4-1641-9CF2-708FE1A22A68}"/>
+              </a:ext>
+            </a:extLst>
+          </p:cNvPr>
+          <p:cNvPicPr>
+            <a:picLocks noChangeAspect="1"/>
+          </p:cNvPicPr>
+          <p:nvPr/>
+        </p:nvPicPr>
+        <p:blipFill>
+          <a:blip r:embed="rId4"/>
+          <a:stretch>
+            <a:fillRect/>
+          </a:stretch>
+        </p:blipFill>
+        <p:spPr>
+          <a:xfrm>
+            <a:off x="3263089" y="787400"/>
+            <a:ext cx="2922621" cy="1981200"/>
+          </a:xfrm>
+          <a:prstGeom prst="rect">
+            <a:avLst/>
+          </a:prstGeom>
+        </p:spPr>
+      </p:pic>
+      <p:pic>
+        <p:nvPicPr>
+          <p:cNvPr id="12" name="Picture 11">
+            <a:extLst>
+              <a:ext uri="{FF2B5EF4-FFF2-40B4-BE49-F238E27FC236}">
+                <a16:creationId xmlns:a16="http://schemas.microsoft.com/office/drawing/2014/main" id="{31FE8E0F-F681-3F4A-A536-2366CF09DBE2}"/>
+              </a:ext>
+            </a:extLst>
+          </p:cNvPr>
+          <p:cNvPicPr>
+            <a:picLocks noChangeAspect="1"/>
+          </p:cNvPicPr>
+          <p:nvPr/>
+        </p:nvPicPr>
+        <p:blipFill>
+          <a:blip r:embed="rId5"/>
+          <a:stretch>
+            <a:fillRect/>
+          </a:stretch>
+        </p:blipFill>
+        <p:spPr>
+          <a:xfrm>
+            <a:off x="5002950" y="3866300"/>
+            <a:ext cx="38100" cy="25400"/>
+          </a:xfrm>
+          <a:prstGeom prst="rect">
+            <a:avLst/>
+          </a:prstGeom>
+        </p:spPr>
+      </p:pic>
+    </p:spTree>
+    <p:extLst>
+      <p:ext uri="{BB962C8B-B14F-4D97-AF65-F5344CB8AC3E}">
+        <p14:creationId xmlns:p14="http://schemas.microsoft.com/office/powerpoint/2010/main" val="2359454752"/>
+      </p:ext>
+    </p:extLst>
+  </p:cSld>
+  <p:clrMapOvr>
+    <a:masterClrMapping/>
+  </p:clrMapOvr>
+  <p:timing>
+    <p:tnLst>
+      <p:par>
+        <p:cTn id="1" dur="indefinite" restart="never" nodeType="tmRoot">
+          <p:childTnLst>
+            <p:seq concurrent="1" nextAc="seek">
+              <p:cTn id="2" dur="indefinite" nodeType="mainSeq">
+                <p:childTnLst>
+                  <p:par>
+                    <p:cTn id="3" fill="hold">
+                      <p:stCondLst>
+                        <p:cond delay="indefinite"/>
+                      </p:stCondLst>
+                      <p:childTnLst>
+                        <p:par>
+                          <p:cTn id="4" fill="hold">
+                            <p:stCondLst>
+                              <p:cond delay="0"/>
+                            </p:stCondLst>
+                            <p:childTnLst>
+                              <p:par>
+                                <p:cTn id="5" presetID="1" presetClass="entr" presetSubtype="0" fill="hold" nodeType="clickEffect">
+                                  <p:stCondLst>
+                                    <p:cond delay="0"/>
+                                  </p:stCondLst>
+                                  <p:childTnLst>
+                                    <p:set>
+                                      <p:cBhvr>
+                                        <p:cTn id="6" dur="1" fill="hold">
+                                          <p:stCondLst>
+                                            <p:cond delay="0"/>
+                                          </p:stCondLst>
+                                        </p:cTn>
+                                        <p:tgtEl>
+                                          <p:spTgt spid="8"/>
+                                        </p:tgtEl>
+                                        <p:attrNameLst>
+                                          <p:attrName>style.visibility</p:attrName>
+                                        </p:attrNameLst>
+                                      </p:cBhvr>
+                                      <p:to>
+                                        <p:strVal val="visible"/>
+                                      </p:to>
+                                    </p:set>
+                                  </p:childTnLst>
+                                </p:cTn>
+                              </p:par>
+                              <p:par>
+                                <p:cTn id="7" presetID="1" presetClass="entr" presetSubtype="0" fill="hold" nodeType="withEffect">
+                                  <p:stCondLst>
+                                    <p:cond delay="0"/>
+                                  </p:stCondLst>
+                                  <p:childTnLst>
+                                    <p:set>
+                                      <p:cBhvr>
+                                        <p:cTn id="8" dur="1" fill="hold">
+                                          <p:stCondLst>
+                                            <p:cond delay="0"/>
+                                          </p:stCondLst>
+                                        </p:cTn>
+                                        <p:tgtEl>
+                                          <p:spTgt spid="6"/>
+                                        </p:tgtEl>
+                                        <p:attrNameLst>
+                                          <p:attrName>style.visibility</p:attrName>
+                                        </p:attrNameLst>
+                                      </p:cBhvr>
+                                      <p:to>
+                                        <p:strVal val="visible"/>
+                                      </p:to>
+                                    </p:set>
+                                  </p:childTnLst>
+                                </p:cTn>
+                              </p:par>
+                            </p:childTnLst>
+                          </p:cTn>
+                        </p:par>
+                      </p:childTnLst>
+                    </p:cTn>
+                  </p:par>
+                </p:childTnLst>
+              </p:cTn>
+              <p:prevCondLst>
+                <p:cond evt="onPrev" delay="0">
+                  <p:tgtEl>
+                    <p:sldTgt/>
+                  </p:tgtEl>
+                </p:cond>
+              </p:prevCondLst>
+              <p:nextCondLst>
+                <p:cond evt="onNext" delay="0">
+                  <p:tgtEl>
+                    <p:sldTgt/>
+                  </p:tgtEl>
+                </p:cond>
+              </p:nextCondLst>
+            </p:seq>
+          </p:childTnLst>
+        </p:cTn>
+      </p:par>
+    </p:tnLst>
+  </p:timing>
+</p:sld>
+</file>
+
+<file path=ppt/slides/slide7.xml><?xml version="1.0" encoding="utf-8"?>
+<p:sld xmlns:a="http://schemas.openxmlformats.org/drawingml/2006/main" xmlns:r="http://schemas.openxmlformats.org/officeDocument/2006/relationships" xmlns:p="http://schemas.openxmlformats.org/presentationml/2006/main">
+  <p:cSld>
+    <p:spTree>
+      <p:nvGrpSpPr>
+        <p:cNvPr id="1" name=""/>
+        <p:cNvGrpSpPr/>
+        <p:nvPr/>
+      </p:nvGrpSpPr>
+      <p:grpSpPr>
+        <a:xfrm>
+          <a:off x="0" y="0"/>
+          <a:ext cx="0" cy="0"/>
+          <a:chOff x="0" y="0"/>
+          <a:chExt cx="0" cy="0"/>
+        </a:xfrm>
+      </p:grpSpPr>
+      <p:sp>
+        <p:nvSpPr>
+          <p:cNvPr id="2" name="Title 1">
+            <a:extLst>
+              <a:ext uri="{FF2B5EF4-FFF2-40B4-BE49-F238E27FC236}">
                 <a16:creationId xmlns:a16="http://schemas.microsoft.com/office/drawing/2014/main" id="{88FB5A34-8545-CE4D-8882-DB3F0E594647}"/>
               </a:ext>
             </a:extLst>
@@ -8684,7 +9004,7 @@
               <a:pPr>
                 <a:defRPr/>
               </a:pPr>
-              <a:t>6</a:t>
+              <a:t>7</a:t>
             </a:fld>
             <a:endParaRPr lang="en-US" altLang="x-none"/>
           </a:p>
@@ -9301,7 +9621,7 @@
 </p:sld>
 </file>
 
-<file path=ppt/slides/slide7.xml><?xml version="1.0" encoding="utf-8"?>
+<file path=ppt/slides/slide8.xml><?xml version="1.0" encoding="utf-8"?>
 <p:sld xmlns:a="http://schemas.openxmlformats.org/drawingml/2006/main" xmlns:r="http://schemas.openxmlformats.org/officeDocument/2006/relationships" xmlns:p="http://schemas.openxmlformats.org/presentationml/2006/main">
   <p:cSld>
     <p:spTree>
@@ -9593,7 +9913,7 @@
               <a:pPr>
                 <a:defRPr/>
               </a:pPr>
-              <a:t>7</a:t>
+              <a:t>8</a:t>
             </a:fld>
             <a:endParaRPr lang="en-US" altLang="x-none"/>
           </a:p>
@@ -10526,7 +10846,7 @@
 </p:sld>
 </file>
 
-<file path=ppt/slides/slide8.xml><?xml version="1.0" encoding="utf-8"?>
+<file path=ppt/slides/slide9.xml><?xml version="1.0" encoding="utf-8"?>
 <p:sld xmlns:a="http://schemas.openxmlformats.org/drawingml/2006/main" xmlns:r="http://schemas.openxmlformats.org/officeDocument/2006/relationships" xmlns:p="http://schemas.openxmlformats.org/presentationml/2006/main">
   <p:cSld>
     <p:spTree>
@@ -11202,7 +11522,7 @@
               <a:pPr>
                 <a:defRPr/>
               </a:pPr>
-              <a:t>8</a:t>
+              <a:t>9</a:t>
             </a:fld>
             <a:endParaRPr lang="en-US" altLang="x-none"/>
           </a:p>
@@ -12126,2030 +12446,6 @@
     <p:extLst>
       <p:ext uri="{BB962C8B-B14F-4D97-AF65-F5344CB8AC3E}">
         <p14:creationId xmlns:p14="http://schemas.microsoft.com/office/powerpoint/2010/main" val="2167772293"/>
-      </p:ext>
-    </p:extLst>
-  </p:cSld>
-  <p:clrMapOvr>
-    <a:masterClrMapping/>
-  </p:clrMapOvr>
-</p:sld>
-</file>
-
-<file path=ppt/slides/slide9.xml><?xml version="1.0" encoding="utf-8"?>
-<p:sld xmlns:a="http://schemas.openxmlformats.org/drawingml/2006/main" xmlns:r="http://schemas.openxmlformats.org/officeDocument/2006/relationships" xmlns:p="http://schemas.openxmlformats.org/presentationml/2006/main">
-  <p:cSld>
-    <p:spTree>
-      <p:nvGrpSpPr>
-        <p:cNvPr id="1" name=""/>
-        <p:cNvGrpSpPr/>
-        <p:nvPr/>
-      </p:nvGrpSpPr>
-      <p:grpSpPr>
-        <a:xfrm>
-          <a:off x="0" y="0"/>
-          <a:ext cx="0" cy="0"/>
-          <a:chOff x="0" y="0"/>
-          <a:chExt cx="0" cy="0"/>
-        </a:xfrm>
-      </p:grpSpPr>
-      <p:sp>
-        <p:nvSpPr>
-          <p:cNvPr id="2" name="Title 1">
-            <a:extLst>
-              <a:ext uri="{FF2B5EF4-FFF2-40B4-BE49-F238E27FC236}">
-                <a16:creationId xmlns:a16="http://schemas.microsoft.com/office/drawing/2014/main" id="{3F8F87E8-F973-3A48-A183-96F0506BF15A}"/>
-              </a:ext>
-            </a:extLst>
-          </p:cNvPr>
-          <p:cNvSpPr>
-            <a:spLocks noGrp="1"/>
-          </p:cNvSpPr>
-          <p:nvPr>
-            <p:ph type="title"/>
-          </p:nvPr>
-        </p:nvSpPr>
-        <p:spPr/>
-        <p:txBody>
-          <a:bodyPr/>
-          <a:lstStyle/>
-          <a:p>
-            <a:r>
-              <a:rPr lang="en-US" dirty="0"/>
-              <a:t>Confidence Interval Calculation</a:t>
-            </a:r>
-          </a:p>
-        </p:txBody>
-      </p:sp>
-      <p:sp>
-        <p:nvSpPr>
-          <p:cNvPr id="4" name="Slide Number Placeholder 3">
-            <a:extLst>
-              <a:ext uri="{FF2B5EF4-FFF2-40B4-BE49-F238E27FC236}">
-                <a16:creationId xmlns:a16="http://schemas.microsoft.com/office/drawing/2014/main" id="{4E24F237-06B6-594F-8319-F28AD02E23E2}"/>
-              </a:ext>
-            </a:extLst>
-          </p:cNvPr>
-          <p:cNvSpPr>
-            <a:spLocks noGrp="1"/>
-          </p:cNvSpPr>
-          <p:nvPr>
-            <p:ph type="sldNum" sz="quarter" idx="11"/>
-          </p:nvPr>
-        </p:nvSpPr>
-        <p:spPr/>
-        <p:txBody>
-          <a:bodyPr/>
-          <a:lstStyle/>
-          <a:p>
-            <a:pPr>
-              <a:defRPr/>
-            </a:pPr>
-            <a:fld id="{3EF4E9CC-9D91-476E-91FD-5BEEC1642931}" type="slidenum">
-              <a:rPr lang="en-US" altLang="x-none" smtClean="0"/>
-              <a:pPr>
-                <a:defRPr/>
-              </a:pPr>
-              <a:t>9</a:t>
-            </a:fld>
-            <a:endParaRPr lang="en-US" altLang="x-none"/>
-          </a:p>
-        </p:txBody>
-      </p:sp>
-      <mc:AlternateContent xmlns:mc="http://schemas.openxmlformats.org/markup-compatibility/2006" xmlns:a14="http://schemas.microsoft.com/office/drawing/2010/main">
-        <mc:Choice Requires="a14">
-          <p:sp>
-            <p:nvSpPr>
-              <p:cNvPr id="8" name="Content Placeholder 7">
-                <a:extLst>
-                  <a:ext uri="{FF2B5EF4-FFF2-40B4-BE49-F238E27FC236}">
-                    <a16:creationId xmlns:a16="http://schemas.microsoft.com/office/drawing/2014/main" id="{FCCDFD9B-68F9-A242-965E-0C9C5F7CA01E}"/>
-                  </a:ext>
-                </a:extLst>
-              </p:cNvPr>
-              <p:cNvSpPr>
-                <a:spLocks noGrp="1"/>
-              </p:cNvSpPr>
-              <p:nvPr>
-                <p:ph idx="1"/>
-              </p:nvPr>
-            </p:nvSpPr>
-            <p:spPr>
-              <a:xfrm>
-                <a:off x="457200" y="3276600"/>
-                <a:ext cx="8229600" cy="2590800"/>
-              </a:xfrm>
-            </p:spPr>
-            <p:txBody>
-              <a:bodyPr/>
-              <a:lstStyle/>
-              <a:p>
-                <a:pPr marL="457200" lvl="1" indent="0">
-                  <a:buNone/>
-                </a:pPr>
-                <a:r>
-                  <a:rPr lang="en-US" sz="2000" dirty="0"/>
-                  <a:t>Given: </a:t>
-                </a:r>
-                <a14:m>
-                  <m:oMath xmlns:m="http://schemas.openxmlformats.org/officeDocument/2006/math">
-                    <m:acc>
-                      <m:accPr>
-                        <m:chr m:val="̅"/>
-                        <m:ctrlPr>
-                          <a:rPr lang="en-US" sz="2000" i="1">
-                            <a:latin typeface="Cambria Math" panose="02040503050406030204" pitchFamily="18" charset="0"/>
-                          </a:rPr>
-                        </m:ctrlPr>
-                      </m:accPr>
-                      <m:e>
-                        <m:acc>
-                          <m:accPr>
-                            <m:chr m:val="̂"/>
-                            <m:ctrlPr>
-                              <a:rPr lang="en-US" sz="2000" i="1">
-                                <a:latin typeface="Cambria Math" panose="02040503050406030204" pitchFamily="18" charset="0"/>
-                              </a:rPr>
-                            </m:ctrlPr>
-                          </m:accPr>
-                          <m:e>
-                            <m:r>
-                              <a:rPr lang="en-US" sz="2000" i="1">
-                                <a:latin typeface="Cambria Math" panose="02040503050406030204" pitchFamily="18" charset="0"/>
-                              </a:rPr>
-                              <m:t>𝜃</m:t>
-                            </m:r>
-                          </m:e>
-                        </m:acc>
-                      </m:e>
-                    </m:acc>
-                    <m:r>
-                      <a:rPr lang="en-US" sz="2000" b="0" i="0" smtClean="0">
-                        <a:latin typeface="Cambria Math" panose="02040503050406030204" pitchFamily="18" charset="0"/>
-                      </a:rPr>
-                      <m:t>=0.15, </m:t>
-                    </m:r>
-                    <m:sSub>
-                      <m:sSubPr>
-                        <m:ctrlPr>
-                          <a:rPr lang="en-US" sz="2000" i="1">
-                            <a:latin typeface="Cambria Math" panose="02040503050406030204" pitchFamily="18" charset="0"/>
-                          </a:rPr>
-                        </m:ctrlPr>
-                      </m:sSubPr>
-                      <m:e>
-                        <m:r>
-                          <a:rPr lang="en-US" sz="2000" b="0" i="1" smtClean="0">
-                            <a:latin typeface="Cambria Math" panose="02040503050406030204" pitchFamily="18" charset="0"/>
-                          </a:rPr>
-                          <m:t>𝜎</m:t>
-                        </m:r>
-                      </m:e>
-                      <m:sub>
-                        <m:acc>
-                          <m:accPr>
-                            <m:chr m:val="̂"/>
-                            <m:ctrlPr>
-                              <a:rPr lang="en-US" sz="2000" i="1">
-                                <a:latin typeface="Cambria Math" panose="02040503050406030204" pitchFamily="18" charset="0"/>
-                              </a:rPr>
-                            </m:ctrlPr>
-                          </m:accPr>
-                          <m:e>
-                            <m:r>
-                              <a:rPr lang="en-US" sz="2000" i="1">
-                                <a:latin typeface="Cambria Math" panose="02040503050406030204" pitchFamily="18" charset="0"/>
-                              </a:rPr>
-                              <m:t>𝜃</m:t>
-                            </m:r>
-                          </m:e>
-                        </m:acc>
-                      </m:sub>
-                    </m:sSub>
-                  </m:oMath>
-                </a14:m>
-                <a:r>
-                  <a:rPr lang="en-US" sz="2000" dirty="0"/>
-                  <a:t>=0.03, </a:t>
-                </a:r>
-                <a:r>
-                  <a:rPr lang="en-US" sz="2000" i="1" dirty="0"/>
-                  <a:t>M</a:t>
-                </a:r>
-                <a:r>
-                  <a:rPr lang="en-US" sz="2000" dirty="0"/>
-                  <a:t>=9. Find 95% confidence interval for </a:t>
-                </a:r>
-                <a14:m>
-                  <m:oMath xmlns:m="http://schemas.openxmlformats.org/officeDocument/2006/math">
-                    <m:r>
-                      <a:rPr lang="en-US" sz="2000" b="0" i="1" smtClean="0">
-                        <a:latin typeface="Cambria Math" panose="02040503050406030204" pitchFamily="18" charset="0"/>
-                      </a:rPr>
-                      <m:t>𝜃</m:t>
-                    </m:r>
-                  </m:oMath>
-                </a14:m>
-                <a:r>
-                  <a:rPr lang="en-US" sz="2000" dirty="0"/>
-                  <a:t>.</a:t>
-                </a:r>
-              </a:p>
-              <a:p>
-                <a:pPr marL="914400" lvl="1" indent="-457200">
-                  <a:buFont typeface="+mj-lt"/>
-                  <a:buAutoNum type="arabicPeriod"/>
-                </a:pPr>
-                <a:r>
-                  <a:rPr lang="en-US" sz="2000" dirty="0"/>
-                  <a:t>The standard deviation of the mean is </a:t>
-                </a:r>
-                <a14:m>
-                  <m:oMath xmlns:m="http://schemas.openxmlformats.org/officeDocument/2006/math">
-                    <m:f>
-                      <m:fPr>
-                        <m:ctrlPr>
-                          <a:rPr lang="en-US" sz="2000" b="0" i="1" smtClean="0">
-                            <a:latin typeface="Cambria Math" panose="02040503050406030204" pitchFamily="18" charset="0"/>
-                          </a:rPr>
-                        </m:ctrlPr>
-                      </m:fPr>
-                      <m:num>
-                        <m:r>
-                          <a:rPr lang="en-US" sz="2000" b="0" i="1" smtClean="0">
-                            <a:latin typeface="Cambria Math" panose="02040503050406030204" pitchFamily="18" charset="0"/>
-                          </a:rPr>
-                          <m:t>1</m:t>
-                        </m:r>
-                      </m:num>
-                      <m:den>
-                        <m:r>
-                          <a:rPr lang="en-US" sz="2000" b="0" i="1" smtClean="0">
-                            <a:latin typeface="Cambria Math" panose="02040503050406030204" pitchFamily="18" charset="0"/>
-                          </a:rPr>
-                          <m:t>√</m:t>
-                        </m:r>
-                        <m:r>
-                          <a:rPr lang="en-US" sz="2000" b="0" i="1" smtClean="0">
-                            <a:latin typeface="Cambria Math" panose="02040503050406030204" pitchFamily="18" charset="0"/>
-                          </a:rPr>
-                          <m:t>𝑀</m:t>
-                        </m:r>
-                      </m:den>
-                    </m:f>
-                  </m:oMath>
-                </a14:m>
-                <a:r>
-                  <a:rPr lang="en-US" sz="2000" dirty="0"/>
-                  <a:t> of the standard deviation of the observations. So, </a:t>
-                </a:r>
-                <a14:m>
-                  <m:oMath xmlns:m="http://schemas.openxmlformats.org/officeDocument/2006/math">
-                    <m:sSub>
-                      <m:sSubPr>
-                        <m:ctrlPr>
-                          <a:rPr lang="en-US" sz="2000" b="0" i="1" smtClean="0">
-                            <a:latin typeface="Cambria Math" panose="02040503050406030204" pitchFamily="18" charset="0"/>
-                          </a:rPr>
-                        </m:ctrlPr>
-                      </m:sSubPr>
-                      <m:e>
-                        <m:r>
-                          <a:rPr lang="en-US" sz="2000" b="0" i="1" smtClean="0">
-                            <a:latin typeface="Cambria Math" panose="02040503050406030204" pitchFamily="18" charset="0"/>
-                          </a:rPr>
-                          <m:t>𝜎</m:t>
-                        </m:r>
-                      </m:e>
-                      <m:sub>
-                        <m:acc>
-                          <m:accPr>
-                            <m:chr m:val="̅"/>
-                            <m:ctrlPr>
-                              <a:rPr lang="en-US" sz="2000" b="0" i="1" smtClean="0">
-                                <a:latin typeface="Cambria Math" panose="02040503050406030204" pitchFamily="18" charset="0"/>
-                              </a:rPr>
-                            </m:ctrlPr>
-                          </m:accPr>
-                          <m:e>
-                            <m:acc>
-                              <m:accPr>
-                                <m:chr m:val="̂"/>
-                                <m:ctrlPr>
-                                  <a:rPr lang="en-US" sz="2000" b="0" i="1" smtClean="0">
-                                    <a:latin typeface="Cambria Math" panose="02040503050406030204" pitchFamily="18" charset="0"/>
-                                  </a:rPr>
-                                </m:ctrlPr>
-                              </m:accPr>
-                              <m:e>
-                                <m:r>
-                                  <a:rPr lang="en-US" sz="2000" b="0" i="1" smtClean="0">
-                                    <a:latin typeface="Cambria Math" panose="02040503050406030204" pitchFamily="18" charset="0"/>
-                                  </a:rPr>
-                                  <m:t>𝜃</m:t>
-                                </m:r>
-                              </m:e>
-                            </m:acc>
-                          </m:e>
-                        </m:acc>
-                      </m:sub>
-                    </m:sSub>
-                    <m:r>
-                      <a:rPr lang="en-US" sz="2000" b="0" i="1" smtClean="0">
-                        <a:latin typeface="Cambria Math" panose="02040503050406030204" pitchFamily="18" charset="0"/>
-                      </a:rPr>
-                      <m:t>≈</m:t>
-                    </m:r>
-                    <m:f>
-                      <m:fPr>
-                        <m:ctrlPr>
-                          <a:rPr lang="en-US" sz="2000" b="0" i="1" smtClean="0">
-                            <a:latin typeface="Cambria Math" panose="02040503050406030204" pitchFamily="18" charset="0"/>
-                          </a:rPr>
-                        </m:ctrlPr>
-                      </m:fPr>
-                      <m:num>
-                        <m:sSub>
-                          <m:sSubPr>
-                            <m:ctrlPr>
-                              <a:rPr lang="en-US" sz="2000" i="1">
-                                <a:latin typeface="Cambria Math" panose="02040503050406030204" pitchFamily="18" charset="0"/>
-                              </a:rPr>
-                            </m:ctrlPr>
-                          </m:sSubPr>
-                          <m:e>
-                            <m:r>
-                              <a:rPr lang="en-US" sz="2000" i="1">
-                                <a:latin typeface="Cambria Math" panose="02040503050406030204" pitchFamily="18" charset="0"/>
-                              </a:rPr>
-                              <m:t>𝑠</m:t>
-                            </m:r>
-                          </m:e>
-                          <m:sub>
-                            <m:acc>
-                              <m:accPr>
-                                <m:chr m:val="̂"/>
-                                <m:ctrlPr>
-                                  <a:rPr lang="en-US" sz="2000" i="1">
-                                    <a:latin typeface="Cambria Math" panose="02040503050406030204" pitchFamily="18" charset="0"/>
-                                  </a:rPr>
-                                </m:ctrlPr>
-                              </m:accPr>
-                              <m:e>
-                                <m:r>
-                                  <a:rPr lang="en-US" sz="2000" i="1">
-                                    <a:latin typeface="Cambria Math" panose="02040503050406030204" pitchFamily="18" charset="0"/>
-                                  </a:rPr>
-                                  <m:t>𝜃</m:t>
-                                </m:r>
-                              </m:e>
-                            </m:acc>
-                          </m:sub>
-                        </m:sSub>
-                      </m:num>
-                      <m:den>
-                        <m:rad>
-                          <m:radPr>
-                            <m:degHide m:val="on"/>
-                            <m:ctrlPr>
-                              <a:rPr lang="en-US" sz="2000" b="0" i="1" smtClean="0">
-                                <a:latin typeface="Cambria Math" panose="02040503050406030204" pitchFamily="18" charset="0"/>
-                              </a:rPr>
-                            </m:ctrlPr>
-                          </m:radPr>
-                          <m:deg/>
-                          <m:e>
-                            <m:r>
-                              <a:rPr lang="en-US" sz="2000" b="0" i="1" smtClean="0">
-                                <a:latin typeface="Cambria Math" panose="02040503050406030204" pitchFamily="18" charset="0"/>
-                              </a:rPr>
-                              <m:t>𝑀</m:t>
-                            </m:r>
-                          </m:e>
-                        </m:rad>
-                      </m:den>
-                    </m:f>
-                    <m:r>
-                      <a:rPr lang="en-US" sz="2000" b="0" i="1" smtClean="0">
-                        <a:latin typeface="Cambria Math" panose="02040503050406030204" pitchFamily="18" charset="0"/>
-                      </a:rPr>
-                      <m:t>=0.01</m:t>
-                    </m:r>
-                  </m:oMath>
-                </a14:m>
-                <a:r>
-                  <a:rPr lang="en-US" sz="2000" dirty="0"/>
-                  <a:t>.</a:t>
-                </a:r>
-              </a:p>
-              <a:p>
-                <a:pPr marL="914400" lvl="1" indent="-457200">
-                  <a:buFont typeface="+mj-lt"/>
-                  <a:buAutoNum type="arabicPeriod"/>
-                </a:pPr>
-                <a14:m>
-                  <m:oMath xmlns:m="http://schemas.openxmlformats.org/officeDocument/2006/math">
-                    <m:sSub>
-                      <m:sSubPr>
-                        <m:ctrlPr>
-                          <a:rPr lang="en-US" sz="2000" b="0" i="1" smtClean="0">
-                            <a:latin typeface="Cambria Math" panose="02040503050406030204" pitchFamily="18" charset="0"/>
-                          </a:rPr>
-                        </m:ctrlPr>
-                      </m:sSubPr>
-                      <m:e>
-                        <m:r>
-                          <a:rPr lang="en-US" sz="2000" b="0" i="1" smtClean="0">
-                            <a:latin typeface="Cambria Math" panose="02040503050406030204" pitchFamily="18" charset="0"/>
-                          </a:rPr>
-                          <m:t>𝑧</m:t>
-                        </m:r>
-                      </m:e>
-                      <m:sub>
-                        <m:r>
-                          <a:rPr lang="en-US" sz="2000" b="0" i="1" smtClean="0">
-                            <a:latin typeface="Cambria Math" panose="02040503050406030204" pitchFamily="18" charset="0"/>
-                          </a:rPr>
-                          <m:t>𝛼</m:t>
-                        </m:r>
-                        <m:r>
-                          <a:rPr lang="en-US" sz="2000" b="0" i="1" smtClean="0">
-                            <a:latin typeface="Cambria Math" panose="02040503050406030204" pitchFamily="18" charset="0"/>
-                          </a:rPr>
-                          <m:t>/2</m:t>
-                        </m:r>
-                      </m:sub>
-                    </m:sSub>
-                    <m:r>
-                      <a:rPr lang="en-US" sz="2000" b="0" i="1" smtClean="0">
-                        <a:latin typeface="Cambria Math" panose="02040503050406030204" pitchFamily="18" charset="0"/>
-                      </a:rPr>
-                      <m:t>=</m:t>
-                    </m:r>
-                    <m:sSub>
-                      <m:sSubPr>
-                        <m:ctrlPr>
-                          <a:rPr lang="en-US" sz="2000" b="0" i="1" smtClean="0">
-                            <a:latin typeface="Cambria Math" panose="02040503050406030204" pitchFamily="18" charset="0"/>
-                          </a:rPr>
-                        </m:ctrlPr>
-                      </m:sSubPr>
-                      <m:e>
-                        <m:r>
-                          <a:rPr lang="en-US" sz="2000" b="0" i="1" smtClean="0">
-                            <a:latin typeface="Cambria Math" panose="02040503050406030204" pitchFamily="18" charset="0"/>
-                          </a:rPr>
-                          <m:t>𝑧</m:t>
-                        </m:r>
-                      </m:e>
-                      <m:sub>
-                        <m:r>
-                          <a:rPr lang="en-US" sz="2000" b="0" i="1" smtClean="0">
-                            <a:latin typeface="Cambria Math" panose="02040503050406030204" pitchFamily="18" charset="0"/>
-                          </a:rPr>
-                          <m:t>0.025</m:t>
-                        </m:r>
-                      </m:sub>
-                    </m:sSub>
-                    <m:r>
-                      <a:rPr lang="en-US" sz="2000" b="0" i="1" smtClean="0">
-                        <a:latin typeface="Cambria Math" panose="02040503050406030204" pitchFamily="18" charset="0"/>
-                      </a:rPr>
-                      <m:t>≈−2</m:t>
-                    </m:r>
-                    <m:r>
-                      <a:rPr lang="en-US" sz="2000" b="0" i="0" smtClean="0">
-                        <a:latin typeface="Cambria Math" panose="02040503050406030204" pitchFamily="18" charset="0"/>
-                      </a:rPr>
-                      <m:t>, </m:t>
-                    </m:r>
-                    <m:sSub>
-                      <m:sSubPr>
-                        <m:ctrlPr>
-                          <a:rPr lang="en-US" sz="2000" b="0" i="1" smtClean="0">
-                            <a:latin typeface="Cambria Math" panose="02040503050406030204" pitchFamily="18" charset="0"/>
-                          </a:rPr>
-                        </m:ctrlPr>
-                      </m:sSubPr>
-                      <m:e>
-                        <m:r>
-                          <a:rPr lang="en-US" sz="2000" b="0" i="0" smtClean="0">
-                            <a:latin typeface="Cambria Math" panose="02040503050406030204" pitchFamily="18" charset="0"/>
-                          </a:rPr>
-                          <m:t> </m:t>
-                        </m:r>
-                        <m:r>
-                          <m:rPr>
-                            <m:sty m:val="p"/>
-                          </m:rPr>
-                          <a:rPr lang="en-US" sz="2000" b="0" i="0" smtClean="0">
-                            <a:latin typeface="Cambria Math" panose="02040503050406030204" pitchFamily="18" charset="0"/>
-                          </a:rPr>
-                          <m:t>z</m:t>
-                        </m:r>
-                      </m:e>
-                      <m:sub>
-                        <m:f>
-                          <m:fPr>
-                            <m:ctrlPr>
-                              <a:rPr lang="en-US" sz="2000" b="0" i="1" smtClean="0">
-                                <a:latin typeface="Cambria Math" panose="02040503050406030204" pitchFamily="18" charset="0"/>
-                              </a:rPr>
-                            </m:ctrlPr>
-                          </m:fPr>
-                          <m:num>
-                            <m:r>
-                              <a:rPr lang="en-US" sz="2000" b="0" i="1" smtClean="0">
-                                <a:latin typeface="Cambria Math" panose="02040503050406030204" pitchFamily="18" charset="0"/>
-                              </a:rPr>
-                              <m:t>1−</m:t>
-                            </m:r>
-                            <m:r>
-                              <a:rPr lang="en-US" sz="2000" b="0" i="1" smtClean="0">
-                                <a:latin typeface="Cambria Math" panose="02040503050406030204" pitchFamily="18" charset="0"/>
-                              </a:rPr>
-                              <m:t>𝛼</m:t>
-                            </m:r>
-                          </m:num>
-                          <m:den>
-                            <m:r>
-                              <a:rPr lang="en-US" sz="2000" b="0" i="1" smtClean="0">
-                                <a:latin typeface="Cambria Math" panose="02040503050406030204" pitchFamily="18" charset="0"/>
-                              </a:rPr>
-                              <m:t>2</m:t>
-                            </m:r>
-                          </m:den>
-                        </m:f>
-                      </m:sub>
-                    </m:sSub>
-                    <m:r>
-                      <a:rPr lang="en-US" sz="2000" b="0" i="1" smtClean="0">
-                        <a:latin typeface="Cambria Math" panose="02040503050406030204" pitchFamily="18" charset="0"/>
-                      </a:rPr>
-                      <m:t>=</m:t>
-                    </m:r>
-                    <m:sSub>
-                      <m:sSubPr>
-                        <m:ctrlPr>
-                          <a:rPr lang="en-US" sz="2000" b="0" i="1" smtClean="0">
-                            <a:latin typeface="Cambria Math" panose="02040503050406030204" pitchFamily="18" charset="0"/>
-                          </a:rPr>
-                        </m:ctrlPr>
-                      </m:sSubPr>
-                      <m:e>
-                        <m:r>
-                          <a:rPr lang="en-US" sz="2000" b="0" i="1" smtClean="0">
-                            <a:latin typeface="Cambria Math" panose="02040503050406030204" pitchFamily="18" charset="0"/>
-                          </a:rPr>
-                          <m:t>𝑧</m:t>
-                        </m:r>
-                      </m:e>
-                      <m:sub>
-                        <m:r>
-                          <a:rPr lang="en-US" sz="2000" b="0" i="1" smtClean="0">
-                            <a:latin typeface="Cambria Math" panose="02040503050406030204" pitchFamily="18" charset="0"/>
-                          </a:rPr>
-                          <m:t>0.975</m:t>
-                        </m:r>
-                      </m:sub>
-                    </m:sSub>
-                    <m:r>
-                      <a:rPr lang="en-US" sz="2000" b="0" i="1" smtClean="0">
-                        <a:latin typeface="Cambria Math" panose="02040503050406030204" pitchFamily="18" charset="0"/>
-                      </a:rPr>
-                      <m:t>≈2</m:t>
-                    </m:r>
-                  </m:oMath>
-                </a14:m>
-                <a:endParaRPr lang="en-US" sz="2000" dirty="0"/>
-              </a:p>
-              <a:p>
-                <a:pPr marL="914400" lvl="1" indent="-457200">
-                  <a:buFont typeface="+mj-lt"/>
-                  <a:buAutoNum type="arabicPeriod"/>
-                </a:pPr>
-                <a14:m>
-                  <m:oMath xmlns:m="http://schemas.openxmlformats.org/officeDocument/2006/math">
-                    <m:r>
-                      <a:rPr lang="en-US" sz="2000" i="1">
-                        <a:latin typeface="Cambria Math" panose="02040503050406030204" pitchFamily="18" charset="0"/>
-                      </a:rPr>
-                      <m:t>𝑎</m:t>
-                    </m:r>
-                    <m:r>
-                      <a:rPr lang="en-US" sz="2000" i="1">
-                        <a:latin typeface="Cambria Math" panose="02040503050406030204" pitchFamily="18" charset="0"/>
-                      </a:rPr>
-                      <m:t>=</m:t>
-                    </m:r>
-                    <m:sSub>
-                      <m:sSubPr>
-                        <m:ctrlPr>
-                          <a:rPr lang="en-US" sz="2000" i="1">
-                            <a:latin typeface="Cambria Math" panose="02040503050406030204" pitchFamily="18" charset="0"/>
-                          </a:rPr>
-                        </m:ctrlPr>
-                      </m:sSubPr>
-                      <m:e>
-                        <m:acc>
-                          <m:accPr>
-                            <m:chr m:val="̅"/>
-                            <m:ctrlPr>
-                              <a:rPr lang="en-US" sz="2000" i="1">
-                                <a:latin typeface="Cambria Math" panose="02040503050406030204" pitchFamily="18" charset="0"/>
-                              </a:rPr>
-                            </m:ctrlPr>
-                          </m:accPr>
-                          <m:e>
-                            <m:acc>
-                              <m:accPr>
-                                <m:chr m:val="̂"/>
-                                <m:ctrlPr>
-                                  <a:rPr lang="en-US" sz="2000" i="1">
-                                    <a:latin typeface="Cambria Math" panose="02040503050406030204" pitchFamily="18" charset="0"/>
-                                  </a:rPr>
-                                </m:ctrlPr>
-                              </m:accPr>
-                              <m:e>
-                                <m:r>
-                                  <a:rPr lang="en-US" sz="2000" i="1">
-                                    <a:latin typeface="Cambria Math" panose="02040503050406030204" pitchFamily="18" charset="0"/>
-                                  </a:rPr>
-                                  <m:t>𝜃</m:t>
-                                </m:r>
-                              </m:e>
-                            </m:acc>
-                          </m:e>
-                        </m:acc>
-                        <m:r>
-                          <m:rPr>
-                            <m:nor/>
-                          </m:rPr>
-                          <a:rPr lang="en-US" sz="2000">
-                            <a:latin typeface="Cambria Math" panose="02040503050406030204" pitchFamily="18" charset="0"/>
-                          </a:rPr>
-                          <m:t> </m:t>
-                        </m:r>
-                        <m:r>
-                          <a:rPr lang="en-US" sz="2000" i="1">
-                            <a:latin typeface="Cambria Math" panose="02040503050406030204" pitchFamily="18" charset="0"/>
-                          </a:rPr>
-                          <m:t>+</m:t>
-                        </m:r>
-                        <m:r>
-                          <a:rPr lang="en-US" sz="2000" i="1">
-                            <a:latin typeface="Cambria Math" panose="02040503050406030204" pitchFamily="18" charset="0"/>
-                          </a:rPr>
-                          <m:t>𝑧</m:t>
-                        </m:r>
-                      </m:e>
-                      <m:sub>
-                        <m:r>
-                          <a:rPr lang="en-US" sz="2000" i="1">
-                            <a:latin typeface="Cambria Math" panose="02040503050406030204" pitchFamily="18" charset="0"/>
-                          </a:rPr>
-                          <m:t>𝛼</m:t>
-                        </m:r>
-                        <m:r>
-                          <a:rPr lang="en-US" sz="2000" i="1">
-                            <a:latin typeface="Cambria Math" panose="02040503050406030204" pitchFamily="18" charset="0"/>
-                          </a:rPr>
-                          <m:t>/2</m:t>
-                        </m:r>
-                      </m:sub>
-                    </m:sSub>
-                    <m:sSub>
-                      <m:sSubPr>
-                        <m:ctrlPr>
-                          <a:rPr lang="en-US" sz="2000" i="1">
-                            <a:latin typeface="Cambria Math" panose="02040503050406030204" pitchFamily="18" charset="0"/>
-                          </a:rPr>
-                        </m:ctrlPr>
-                      </m:sSubPr>
-                      <m:e>
-                        <m:r>
-                          <a:rPr lang="en-US" sz="2000" i="1">
-                            <a:latin typeface="Cambria Math" panose="02040503050406030204" pitchFamily="18" charset="0"/>
-                          </a:rPr>
-                          <m:t>𝜎</m:t>
-                        </m:r>
-                      </m:e>
-                      <m:sub>
-                        <m:acc>
-                          <m:accPr>
-                            <m:chr m:val="̅"/>
-                            <m:ctrlPr>
-                              <a:rPr lang="en-US" sz="2000" i="1">
-                                <a:latin typeface="Cambria Math" panose="02040503050406030204" pitchFamily="18" charset="0"/>
-                              </a:rPr>
-                            </m:ctrlPr>
-                          </m:accPr>
-                          <m:e>
-                            <m:acc>
-                              <m:accPr>
-                                <m:chr m:val="̂"/>
-                                <m:ctrlPr>
-                                  <a:rPr lang="en-US" sz="2000" i="1">
-                                    <a:latin typeface="Cambria Math" panose="02040503050406030204" pitchFamily="18" charset="0"/>
-                                  </a:rPr>
-                                </m:ctrlPr>
-                              </m:accPr>
-                              <m:e>
-                                <m:r>
-                                  <a:rPr lang="en-US" sz="2000" i="1">
-                                    <a:latin typeface="Cambria Math" panose="02040503050406030204" pitchFamily="18" charset="0"/>
-                                  </a:rPr>
-                                  <m:t>𝜃</m:t>
-                                </m:r>
-                              </m:e>
-                            </m:acc>
-                          </m:e>
-                        </m:acc>
-                      </m:sub>
-                    </m:sSub>
-                    <m:r>
-                      <a:rPr lang="en-US" sz="2000" b="0" i="1" smtClean="0">
-                        <a:latin typeface="Cambria Math" panose="02040503050406030204" pitchFamily="18" charset="0"/>
-                      </a:rPr>
-                      <m:t>=0.15+</m:t>
-                    </m:r>
-                    <m:d>
-                      <m:dPr>
-                        <m:ctrlPr>
-                          <a:rPr lang="en-US" sz="2000" b="0" i="1" smtClean="0">
-                            <a:latin typeface="Cambria Math" panose="02040503050406030204" pitchFamily="18" charset="0"/>
-                          </a:rPr>
-                        </m:ctrlPr>
-                      </m:dPr>
-                      <m:e>
-                        <m:r>
-                          <a:rPr lang="en-US" sz="2000" b="0" i="1" smtClean="0">
-                            <a:latin typeface="Cambria Math" panose="02040503050406030204" pitchFamily="18" charset="0"/>
-                          </a:rPr>
-                          <m:t>−2</m:t>
-                        </m:r>
-                      </m:e>
-                    </m:d>
-                    <m:r>
-                      <a:rPr lang="en-US" sz="2000" b="0" i="1" smtClean="0">
-                        <a:latin typeface="Cambria Math" panose="02040503050406030204" pitchFamily="18" charset="0"/>
-                      </a:rPr>
-                      <m:t>0.01=0.13</m:t>
-                    </m:r>
-                  </m:oMath>
-                </a14:m>
-                <a:endParaRPr lang="en-US" sz="2000" dirty="0"/>
-              </a:p>
-              <a:p>
-                <a:pPr marL="914400" lvl="1" indent="-457200">
-                  <a:buFont typeface="+mj-lt"/>
-                  <a:buAutoNum type="arabicPeriod"/>
-                </a:pPr>
-                <a:r>
-                  <a:rPr lang="en-US" sz="2000" dirty="0"/>
-                  <a:t>b</a:t>
-                </a:r>
-                <a14:m>
-                  <m:oMath xmlns:m="http://schemas.openxmlformats.org/officeDocument/2006/math">
-                    <m:r>
-                      <a:rPr lang="en-US" sz="2000" i="1">
-                        <a:latin typeface="Cambria Math" panose="02040503050406030204" pitchFamily="18" charset="0"/>
-                      </a:rPr>
-                      <m:t>=</m:t>
-                    </m:r>
-                    <m:sSub>
-                      <m:sSubPr>
-                        <m:ctrlPr>
-                          <a:rPr lang="en-US" sz="2000" i="1">
-                            <a:latin typeface="Cambria Math" panose="02040503050406030204" pitchFamily="18" charset="0"/>
-                          </a:rPr>
-                        </m:ctrlPr>
-                      </m:sSubPr>
-                      <m:e>
-                        <m:acc>
-                          <m:accPr>
-                            <m:chr m:val="̅"/>
-                            <m:ctrlPr>
-                              <a:rPr lang="en-US" sz="2000" i="1">
-                                <a:latin typeface="Cambria Math" panose="02040503050406030204" pitchFamily="18" charset="0"/>
-                              </a:rPr>
-                            </m:ctrlPr>
-                          </m:accPr>
-                          <m:e>
-                            <m:acc>
-                              <m:accPr>
-                                <m:chr m:val="̂"/>
-                                <m:ctrlPr>
-                                  <a:rPr lang="en-US" sz="2000" i="1">
-                                    <a:latin typeface="Cambria Math" panose="02040503050406030204" pitchFamily="18" charset="0"/>
-                                  </a:rPr>
-                                </m:ctrlPr>
-                              </m:accPr>
-                              <m:e>
-                                <m:r>
-                                  <a:rPr lang="en-US" sz="2000" i="1">
-                                    <a:latin typeface="Cambria Math" panose="02040503050406030204" pitchFamily="18" charset="0"/>
-                                  </a:rPr>
-                                  <m:t>𝜃</m:t>
-                                </m:r>
-                              </m:e>
-                            </m:acc>
-                          </m:e>
-                        </m:acc>
-                        <m:r>
-                          <m:rPr>
-                            <m:nor/>
-                          </m:rPr>
-                          <a:rPr lang="en-US" sz="2000">
-                            <a:latin typeface="Cambria Math" panose="02040503050406030204" pitchFamily="18" charset="0"/>
-                          </a:rPr>
-                          <m:t> </m:t>
-                        </m:r>
-                        <m:r>
-                          <a:rPr lang="en-US" sz="2000" i="1">
-                            <a:latin typeface="Cambria Math" panose="02040503050406030204" pitchFamily="18" charset="0"/>
-                          </a:rPr>
-                          <m:t>+</m:t>
-                        </m:r>
-                        <m:r>
-                          <a:rPr lang="en-US" sz="2000" i="1">
-                            <a:latin typeface="Cambria Math" panose="02040503050406030204" pitchFamily="18" charset="0"/>
-                          </a:rPr>
-                          <m:t>𝑧</m:t>
-                        </m:r>
-                      </m:e>
-                      <m:sub>
-                        <m:r>
-                          <a:rPr lang="en-US" sz="2000" b="0" i="1" smtClean="0">
-                            <a:latin typeface="Cambria Math" panose="02040503050406030204" pitchFamily="18" charset="0"/>
-                          </a:rPr>
-                          <m:t>(1−</m:t>
-                        </m:r>
-                        <m:r>
-                          <a:rPr lang="en-US" sz="2000" i="1">
-                            <a:latin typeface="Cambria Math" panose="02040503050406030204" pitchFamily="18" charset="0"/>
-                          </a:rPr>
-                          <m:t>𝛼</m:t>
-                        </m:r>
-                        <m:r>
-                          <a:rPr lang="en-US" sz="2000" b="0" i="1" smtClean="0">
-                            <a:latin typeface="Cambria Math" panose="02040503050406030204" pitchFamily="18" charset="0"/>
-                          </a:rPr>
-                          <m:t>)</m:t>
-                        </m:r>
-                        <m:r>
-                          <a:rPr lang="en-US" sz="2000" i="1">
-                            <a:latin typeface="Cambria Math" panose="02040503050406030204" pitchFamily="18" charset="0"/>
-                          </a:rPr>
-                          <m:t>/2</m:t>
-                        </m:r>
-                      </m:sub>
-                    </m:sSub>
-                    <m:sSub>
-                      <m:sSubPr>
-                        <m:ctrlPr>
-                          <a:rPr lang="en-US" sz="2000" i="1">
-                            <a:latin typeface="Cambria Math" panose="02040503050406030204" pitchFamily="18" charset="0"/>
-                          </a:rPr>
-                        </m:ctrlPr>
-                      </m:sSubPr>
-                      <m:e>
-                        <m:r>
-                          <a:rPr lang="en-US" sz="2000" i="1">
-                            <a:latin typeface="Cambria Math" panose="02040503050406030204" pitchFamily="18" charset="0"/>
-                          </a:rPr>
-                          <m:t>𝜎</m:t>
-                        </m:r>
-                      </m:e>
-                      <m:sub>
-                        <m:acc>
-                          <m:accPr>
-                            <m:chr m:val="̅"/>
-                            <m:ctrlPr>
-                              <a:rPr lang="en-US" sz="2000" i="1">
-                                <a:latin typeface="Cambria Math" panose="02040503050406030204" pitchFamily="18" charset="0"/>
-                              </a:rPr>
-                            </m:ctrlPr>
-                          </m:accPr>
-                          <m:e>
-                            <m:acc>
-                              <m:accPr>
-                                <m:chr m:val="̂"/>
-                                <m:ctrlPr>
-                                  <a:rPr lang="en-US" sz="2000" i="1">
-                                    <a:latin typeface="Cambria Math" panose="02040503050406030204" pitchFamily="18" charset="0"/>
-                                  </a:rPr>
-                                </m:ctrlPr>
-                              </m:accPr>
-                              <m:e>
-                                <m:r>
-                                  <a:rPr lang="en-US" sz="2000" i="1">
-                                    <a:latin typeface="Cambria Math" panose="02040503050406030204" pitchFamily="18" charset="0"/>
-                                  </a:rPr>
-                                  <m:t>𝜃</m:t>
-                                </m:r>
-                              </m:e>
-                            </m:acc>
-                          </m:e>
-                        </m:acc>
-                      </m:sub>
-                    </m:sSub>
-                    <m:r>
-                      <a:rPr lang="en-US" sz="2000" i="1">
-                        <a:latin typeface="Cambria Math" panose="02040503050406030204" pitchFamily="18" charset="0"/>
-                      </a:rPr>
-                      <m:t>=0.</m:t>
-                    </m:r>
-                    <m:r>
-                      <a:rPr lang="en-US" sz="2000" b="0" i="1" smtClean="0">
-                        <a:latin typeface="Cambria Math" panose="02040503050406030204" pitchFamily="18" charset="0"/>
-                      </a:rPr>
-                      <m:t>15</m:t>
-                    </m:r>
-                    <m:r>
-                      <a:rPr lang="en-US" sz="2000" i="1">
-                        <a:latin typeface="Cambria Math" panose="02040503050406030204" pitchFamily="18" charset="0"/>
-                      </a:rPr>
-                      <m:t>+</m:t>
-                    </m:r>
-                    <m:d>
-                      <m:dPr>
-                        <m:ctrlPr>
-                          <a:rPr lang="en-US" sz="2000" i="1">
-                            <a:latin typeface="Cambria Math" panose="02040503050406030204" pitchFamily="18" charset="0"/>
-                          </a:rPr>
-                        </m:ctrlPr>
-                      </m:dPr>
-                      <m:e>
-                        <m:r>
-                          <a:rPr lang="en-US" sz="2000" i="1">
-                            <a:latin typeface="Cambria Math" panose="02040503050406030204" pitchFamily="18" charset="0"/>
-                          </a:rPr>
-                          <m:t>2</m:t>
-                        </m:r>
-                      </m:e>
-                    </m:d>
-                    <m:r>
-                      <a:rPr lang="en-US" sz="2000" i="1">
-                        <a:latin typeface="Cambria Math" panose="02040503050406030204" pitchFamily="18" charset="0"/>
-                      </a:rPr>
-                      <m:t>0.01=0.</m:t>
-                    </m:r>
-                    <m:r>
-                      <a:rPr lang="en-US" sz="2000" b="0" i="1" smtClean="0">
-                        <a:latin typeface="Cambria Math" panose="02040503050406030204" pitchFamily="18" charset="0"/>
-                      </a:rPr>
-                      <m:t>17</m:t>
-                    </m:r>
-                  </m:oMath>
-                </a14:m>
-                <a:endParaRPr lang="en-US" sz="2000" dirty="0"/>
-              </a:p>
-              <a:p>
-                <a:pPr marL="914400" lvl="1" indent="-457200">
-                  <a:buFont typeface="+mj-lt"/>
-                  <a:buAutoNum type="arabicPeriod"/>
-                </a:pPr>
-                <a:endParaRPr lang="en-US" sz="2000" dirty="0"/>
-              </a:p>
-              <a:p>
-                <a:pPr marL="0" indent="0">
-                  <a:buNone/>
-                </a:pPr>
-                <a:r>
-                  <a:rPr lang="en-US" sz="2400" dirty="0"/>
-                  <a:t> </a:t>
-                </a:r>
-              </a:p>
-            </p:txBody>
-          </p:sp>
-        </mc:Choice>
-        <mc:Fallback xmlns="">
-          <p:sp>
-            <p:nvSpPr>
-              <p:cNvPr id="8" name="Content Placeholder 7">
-                <a:extLst>
-                  <a:ext uri="{FF2B5EF4-FFF2-40B4-BE49-F238E27FC236}">
-                    <a16:creationId xmlns:a16="http://schemas.microsoft.com/office/drawing/2014/main" id="{FCCDFD9B-68F9-A242-965E-0C9C5F7CA01E}"/>
-                  </a:ext>
-                </a:extLst>
-              </p:cNvPr>
-              <p:cNvSpPr>
-                <a:spLocks noGrp="1" noRot="1" noChangeAspect="1" noMove="1" noResize="1" noEditPoints="1" noAdjustHandles="1" noChangeArrowheads="1" noChangeShapeType="1" noTextEdit="1"/>
-              </p:cNvSpPr>
-              <p:nvPr>
-                <p:ph idx="1"/>
-              </p:nvPr>
-            </p:nvSpPr>
-            <p:spPr>
-              <a:xfrm>
-                <a:off x="457200" y="3276600"/>
-                <a:ext cx="8229600" cy="2590800"/>
-              </a:xfrm>
-              <a:blipFill>
-                <a:blip r:embed="rId2"/>
-                <a:stretch>
-                  <a:fillRect b="-16098"/>
-                </a:stretch>
-              </a:blipFill>
-            </p:spPr>
-            <p:txBody>
-              <a:bodyPr/>
-              <a:lstStyle/>
-              <a:p>
-                <a:r>
-                  <a:rPr lang="en-US">
-                    <a:noFill/>
-                  </a:rPr>
-                  <a:t> </a:t>
-                </a:r>
-              </a:p>
-            </p:txBody>
-          </p:sp>
-        </mc:Fallback>
-      </mc:AlternateContent>
-      <p:pic>
-        <p:nvPicPr>
-          <p:cNvPr id="9" name="Content Placeholder 5">
-            <a:extLst>
-              <a:ext uri="{FF2B5EF4-FFF2-40B4-BE49-F238E27FC236}">
-                <a16:creationId xmlns:a16="http://schemas.microsoft.com/office/drawing/2014/main" id="{1009A578-2AD3-0243-8BDE-6063C01EC29B}"/>
-              </a:ext>
-            </a:extLst>
-          </p:cNvPr>
-          <p:cNvPicPr>
-            <a:picLocks noChangeAspect="1"/>
-          </p:cNvPicPr>
-          <p:nvPr/>
-        </p:nvPicPr>
-        <p:blipFill>
-          <a:blip r:embed="rId3"/>
-          <a:stretch>
-            <a:fillRect/>
-          </a:stretch>
-        </p:blipFill>
-        <p:spPr>
-          <a:xfrm>
-            <a:off x="4774634" y="1064428"/>
-            <a:ext cx="2286000" cy="1696222"/>
-          </a:xfrm>
-          <a:prstGeom prst="rect">
-            <a:avLst/>
-          </a:prstGeom>
-        </p:spPr>
-      </p:pic>
-      <p:sp>
-        <p:nvSpPr>
-          <p:cNvPr id="10" name="TextBox 9">
-            <a:extLst>
-              <a:ext uri="{FF2B5EF4-FFF2-40B4-BE49-F238E27FC236}">
-                <a16:creationId xmlns:a16="http://schemas.microsoft.com/office/drawing/2014/main" id="{AE60167E-120E-4E49-8AF2-0F761B0318AD}"/>
-              </a:ext>
-            </a:extLst>
-          </p:cNvPr>
-          <p:cNvSpPr txBox="1"/>
-          <p:nvPr/>
-        </p:nvSpPr>
-        <p:spPr>
-          <a:xfrm>
-            <a:off x="6374834" y="1274455"/>
-            <a:ext cx="2159566" cy="369332"/>
-          </a:xfrm>
-          <a:prstGeom prst="rect">
-            <a:avLst/>
-          </a:prstGeom>
-          <a:noFill/>
-        </p:spPr>
-        <p:txBody>
-          <a:bodyPr wrap="none" rtlCol="0">
-            <a:spAutoFit/>
-          </a:bodyPr>
-          <a:lstStyle/>
-          <a:p>
-            <a:r>
-              <a:rPr lang="en-US" dirty="0"/>
-              <a:t>Normal distribution</a:t>
-            </a:r>
-          </a:p>
-        </p:txBody>
-      </p:sp>
-      <p:grpSp>
-        <p:nvGrpSpPr>
-          <p:cNvPr id="11" name="Group 10">
-            <a:extLst>
-              <a:ext uri="{FF2B5EF4-FFF2-40B4-BE49-F238E27FC236}">
-                <a16:creationId xmlns:a16="http://schemas.microsoft.com/office/drawing/2014/main" id="{5C1B4416-71D1-DB46-8591-963BE5881052}"/>
-              </a:ext>
-            </a:extLst>
-          </p:cNvPr>
-          <p:cNvGrpSpPr/>
-          <p:nvPr/>
-        </p:nvGrpSpPr>
-        <p:grpSpPr>
-          <a:xfrm>
-            <a:off x="762000" y="1160450"/>
-            <a:ext cx="2944692" cy="1600200"/>
-            <a:chOff x="695086" y="4007982"/>
-            <a:chExt cx="4214929" cy="2422980"/>
-          </a:xfrm>
-        </p:grpSpPr>
-        <p:grpSp>
-          <p:nvGrpSpPr>
-            <p:cNvPr id="12" name="Group 11">
-              <a:extLst>
-                <a:ext uri="{FF2B5EF4-FFF2-40B4-BE49-F238E27FC236}">
-                  <a16:creationId xmlns:a16="http://schemas.microsoft.com/office/drawing/2014/main" id="{9D42E9FC-B469-2842-A160-066470F1C733}"/>
-                </a:ext>
-              </a:extLst>
-            </p:cNvPr>
-            <p:cNvGrpSpPr/>
-            <p:nvPr/>
-          </p:nvGrpSpPr>
-          <p:grpSpPr>
-            <a:xfrm>
-              <a:off x="1207172" y="4007982"/>
-              <a:ext cx="3175000" cy="2422980"/>
-              <a:chOff x="2514600" y="3795692"/>
-              <a:chExt cx="3175000" cy="2422980"/>
-            </a:xfrm>
-          </p:grpSpPr>
-          <p:pic>
-            <p:nvPicPr>
-              <p:cNvPr id="16" name="Picture 15">
-                <a:extLst>
-                  <a:ext uri="{FF2B5EF4-FFF2-40B4-BE49-F238E27FC236}">
-                    <a16:creationId xmlns:a16="http://schemas.microsoft.com/office/drawing/2014/main" id="{8275C587-84C6-EB4D-9CF0-68AAA8D75949}"/>
-                  </a:ext>
-                </a:extLst>
-              </p:cNvPr>
-              <p:cNvPicPr>
-                <a:picLocks noChangeAspect="1"/>
-              </p:cNvPicPr>
-              <p:nvPr/>
-            </p:nvPicPr>
-            <p:blipFill>
-              <a:blip r:embed="rId4"/>
-              <a:stretch>
-                <a:fillRect/>
-              </a:stretch>
-            </p:blipFill>
-            <p:spPr>
-              <a:xfrm>
-                <a:off x="2514600" y="3795692"/>
-                <a:ext cx="3175000" cy="2184400"/>
-              </a:xfrm>
-              <a:prstGeom prst="rect">
-                <a:avLst/>
-              </a:prstGeom>
-            </p:spPr>
-          </p:pic>
-          <mc:AlternateContent xmlns:mc="http://schemas.openxmlformats.org/markup-compatibility/2006" xmlns:a14="http://schemas.microsoft.com/office/drawing/2010/main">
-            <mc:Choice Requires="a14">
-              <p:sp>
-                <p:nvSpPr>
-                  <p:cNvPr id="17" name="TextBox 16">
-                    <a:extLst>
-                      <a:ext uri="{FF2B5EF4-FFF2-40B4-BE49-F238E27FC236}">
-                        <a16:creationId xmlns:a16="http://schemas.microsoft.com/office/drawing/2014/main" id="{BD1CA32F-49C6-CA4F-94A5-C0F701D54A69}"/>
-                      </a:ext>
-                    </a:extLst>
-                  </p:cNvPr>
-                  <p:cNvSpPr txBox="1"/>
-                  <p:nvPr/>
-                </p:nvSpPr>
-                <p:spPr>
-                  <a:xfrm>
-                    <a:off x="3968538" y="5745778"/>
-                    <a:ext cx="256432" cy="372821"/>
-                  </a:xfrm>
-                  <a:prstGeom prst="rect">
-                    <a:avLst/>
-                  </a:prstGeom>
-                  <a:solidFill>
-                    <a:schemeClr val="bg1"/>
-                  </a:solidFill>
-                </p:spPr>
-                <p:txBody>
-                  <a:bodyPr wrap="none" lIns="0" tIns="0" rIns="0" bIns="0" rtlCol="0">
-                    <a:spAutoFit/>
-                  </a:bodyPr>
-                  <a:lstStyle/>
-                  <a:p>
-                    <a:pPr/>
-                    <a14:m>
-                      <m:oMathPara xmlns:m="http://schemas.openxmlformats.org/officeDocument/2006/math">
-                        <m:oMathParaPr>
-                          <m:jc m:val="centerGroup"/>
-                        </m:oMathParaPr>
-                        <m:oMath xmlns:m="http://schemas.openxmlformats.org/officeDocument/2006/math">
-                          <m:r>
-                            <a:rPr lang="en-US" sz="1600" b="0" i="1" smtClean="0">
-                              <a:latin typeface="Cambria Math" panose="02040503050406030204" pitchFamily="18" charset="0"/>
-                            </a:rPr>
-                            <m:t>𝜃</m:t>
-                          </m:r>
-                        </m:oMath>
-                      </m:oMathPara>
-                    </a14:m>
-                    <a:endParaRPr lang="en-US" sz="1600" dirty="0"/>
-                  </a:p>
-                </p:txBody>
-              </p:sp>
-            </mc:Choice>
-            <mc:Fallback xmlns="">
-              <p:sp>
-                <p:nvSpPr>
-                  <p:cNvPr id="17" name="TextBox 16">
-                    <a:extLst>
-                      <a:ext uri="{FF2B5EF4-FFF2-40B4-BE49-F238E27FC236}">
-                        <a16:creationId xmlns:a16="http://schemas.microsoft.com/office/drawing/2014/main" id="{BD1CA32F-49C6-CA4F-94A5-C0F701D54A69}"/>
-                      </a:ext>
-                    </a:extLst>
-                  </p:cNvPr>
-                  <p:cNvSpPr txBox="1">
-                    <a:spLocks noRot="1" noChangeAspect="1" noMove="1" noResize="1" noEditPoints="1" noAdjustHandles="1" noChangeArrowheads="1" noChangeShapeType="1" noTextEdit="1"/>
-                  </p:cNvSpPr>
-                  <p:nvPr/>
-                </p:nvSpPr>
-                <p:spPr>
-                  <a:xfrm>
-                    <a:off x="3968538" y="5745778"/>
-                    <a:ext cx="256432" cy="372821"/>
-                  </a:xfrm>
-                  <a:prstGeom prst="rect">
-                    <a:avLst/>
-                  </a:prstGeom>
-                  <a:blipFill>
-                    <a:blip r:embed="rId5"/>
-                    <a:stretch>
-                      <a:fillRect l="-28571" r="-21429" b="-10000"/>
-                    </a:stretch>
-                  </a:blipFill>
-                </p:spPr>
-                <p:txBody>
-                  <a:bodyPr/>
-                  <a:lstStyle/>
-                  <a:p>
-                    <a:r>
-                      <a:rPr lang="en-US">
-                        <a:noFill/>
-                      </a:rPr>
-                      <a:t> </a:t>
-                    </a:r>
-                  </a:p>
-                </p:txBody>
-              </p:sp>
-            </mc:Fallback>
-          </mc:AlternateContent>
-          <p:sp>
-            <p:nvSpPr>
-              <p:cNvPr id="18" name="Rectangle 17">
-                <a:extLst>
-                  <a:ext uri="{FF2B5EF4-FFF2-40B4-BE49-F238E27FC236}">
-                    <a16:creationId xmlns:a16="http://schemas.microsoft.com/office/drawing/2014/main" id="{25420667-CFB7-454B-9FC3-5818F6C62BE4}"/>
-                  </a:ext>
-                </a:extLst>
-              </p:cNvPr>
-              <p:cNvSpPr/>
-              <p:nvPr/>
-            </p:nvSpPr>
-            <p:spPr>
-              <a:xfrm>
-                <a:off x="2795217" y="5715000"/>
-                <a:ext cx="625579" cy="457200"/>
-              </a:xfrm>
-              <a:prstGeom prst="rect">
-                <a:avLst/>
-              </a:prstGeom>
-              <a:solidFill>
-                <a:schemeClr val="bg1"/>
-              </a:solidFill>
-              <a:ln>
-                <a:noFill/>
-              </a:ln>
-              <a:effectLst>
-                <a:outerShdw dist="23000" sx="1000" sy="1000" rotWithShape="0">
-                  <a:srgbClr val="000000"/>
-                </a:outerShdw>
-              </a:effectLst>
-            </p:spPr>
-            <p:style>
-              <a:lnRef idx="1">
-                <a:schemeClr val="accent1"/>
-              </a:lnRef>
-              <a:fillRef idx="3">
-                <a:schemeClr val="accent1"/>
-              </a:fillRef>
-              <a:effectRef idx="2">
-                <a:schemeClr val="accent1"/>
-              </a:effectRef>
-              <a:fontRef idx="minor">
-                <a:schemeClr val="lt1"/>
-              </a:fontRef>
-            </p:style>
-            <p:txBody>
-              <a:bodyPr rtlCol="0" anchor="ctr"/>
-              <a:lstStyle/>
-              <a:p>
-                <a:pPr algn="ctr"/>
-                <a:endParaRPr lang="en-US" sz="1200"/>
-              </a:p>
-            </p:txBody>
-          </p:sp>
-          <p:sp>
-            <p:nvSpPr>
-              <p:cNvPr id="19" name="Rectangle 18">
-                <a:extLst>
-                  <a:ext uri="{FF2B5EF4-FFF2-40B4-BE49-F238E27FC236}">
-                    <a16:creationId xmlns:a16="http://schemas.microsoft.com/office/drawing/2014/main" id="{7E454A50-7D74-934C-BB08-E049BE6C2303}"/>
-                  </a:ext>
-                </a:extLst>
-              </p:cNvPr>
-              <p:cNvSpPr/>
-              <p:nvPr/>
-            </p:nvSpPr>
-            <p:spPr>
-              <a:xfrm>
-                <a:off x="4632221" y="5761472"/>
-                <a:ext cx="625579" cy="457200"/>
-              </a:xfrm>
-              <a:prstGeom prst="rect">
-                <a:avLst/>
-              </a:prstGeom>
-              <a:solidFill>
-                <a:schemeClr val="bg1"/>
-              </a:solidFill>
-              <a:ln>
-                <a:noFill/>
-              </a:ln>
-              <a:effectLst>
-                <a:outerShdw dist="23000" sx="1000" sy="1000" rotWithShape="0">
-                  <a:srgbClr val="000000"/>
-                </a:outerShdw>
-              </a:effectLst>
-            </p:spPr>
-            <p:style>
-              <a:lnRef idx="1">
-                <a:schemeClr val="accent1"/>
-              </a:lnRef>
-              <a:fillRef idx="3">
-                <a:schemeClr val="accent1"/>
-              </a:fillRef>
-              <a:effectRef idx="2">
-                <a:schemeClr val="accent1"/>
-              </a:effectRef>
-              <a:fontRef idx="minor">
-                <a:schemeClr val="lt1"/>
-              </a:fontRef>
-            </p:style>
-            <p:txBody>
-              <a:bodyPr rtlCol="0" anchor="ctr"/>
-              <a:lstStyle/>
-              <a:p>
-                <a:pPr algn="ctr"/>
-                <a:endParaRPr lang="en-US" sz="1200"/>
-              </a:p>
-            </p:txBody>
-          </p:sp>
-          <mc:AlternateContent xmlns:mc="http://schemas.openxmlformats.org/markup-compatibility/2006" xmlns:a14="http://schemas.microsoft.com/office/drawing/2010/main">
-            <mc:Choice Requires="a14">
-              <p:sp>
-                <p:nvSpPr>
-                  <p:cNvPr id="20" name="TextBox 19">
-                    <a:extLst>
-                      <a:ext uri="{FF2B5EF4-FFF2-40B4-BE49-F238E27FC236}">
-                        <a16:creationId xmlns:a16="http://schemas.microsoft.com/office/drawing/2014/main" id="{168499A2-6F7B-D540-8613-C1AAFF5D0DB5}"/>
-                      </a:ext>
-                    </a:extLst>
-                  </p:cNvPr>
-                  <p:cNvSpPr txBox="1"/>
-                  <p:nvPr/>
-                </p:nvSpPr>
-                <p:spPr>
-                  <a:xfrm>
-                    <a:off x="3108007" y="5715000"/>
-                    <a:ext cx="267124" cy="419424"/>
-                  </a:xfrm>
-                  <a:prstGeom prst="rect">
-                    <a:avLst/>
-                  </a:prstGeom>
-                  <a:solidFill>
-                    <a:schemeClr val="bg1"/>
-                  </a:solidFill>
-                </p:spPr>
-                <p:txBody>
-                  <a:bodyPr wrap="square" lIns="0" tIns="0" rIns="0" bIns="0" rtlCol="0">
-                    <a:spAutoFit/>
-                  </a:bodyPr>
-                  <a:lstStyle/>
-                  <a:p>
-                    <a:pPr/>
-                    <a14:m>
-                      <m:oMathPara xmlns:m="http://schemas.openxmlformats.org/officeDocument/2006/math">
-                        <m:oMathParaPr>
-                          <m:jc m:val="centerGroup"/>
-                        </m:oMathParaPr>
-                        <m:oMath xmlns:m="http://schemas.openxmlformats.org/officeDocument/2006/math">
-                          <m:r>
-                            <a:rPr lang="en-US" b="0" i="1" smtClean="0">
-                              <a:latin typeface="Cambria Math" panose="02040503050406030204" pitchFamily="18" charset="0"/>
-                            </a:rPr>
-                            <m:t>𝑎</m:t>
-                          </m:r>
-                        </m:oMath>
-                      </m:oMathPara>
-                    </a14:m>
-                    <a:endParaRPr lang="en-US" dirty="0"/>
-                  </a:p>
-                </p:txBody>
-              </p:sp>
-            </mc:Choice>
-            <mc:Fallback xmlns="">
-              <p:sp>
-                <p:nvSpPr>
-                  <p:cNvPr id="20" name="TextBox 19">
-                    <a:extLst>
-                      <a:ext uri="{FF2B5EF4-FFF2-40B4-BE49-F238E27FC236}">
-                        <a16:creationId xmlns:a16="http://schemas.microsoft.com/office/drawing/2014/main" id="{168499A2-6F7B-D540-8613-C1AAFF5D0DB5}"/>
-                      </a:ext>
-                    </a:extLst>
-                  </p:cNvPr>
-                  <p:cNvSpPr txBox="1">
-                    <a:spLocks noRot="1" noChangeAspect="1" noMove="1" noResize="1" noEditPoints="1" noAdjustHandles="1" noChangeArrowheads="1" noChangeShapeType="1" noTextEdit="1"/>
-                  </p:cNvSpPr>
-                  <p:nvPr/>
-                </p:nvSpPr>
-                <p:spPr>
-                  <a:xfrm>
-                    <a:off x="3108007" y="5715000"/>
-                    <a:ext cx="267124" cy="419424"/>
-                  </a:xfrm>
-                  <a:prstGeom prst="rect">
-                    <a:avLst/>
-                  </a:prstGeom>
-                  <a:blipFill>
-                    <a:blip r:embed="rId6"/>
-                    <a:stretch>
-                      <a:fillRect l="-12500" r="-6250" b="-4348"/>
-                    </a:stretch>
-                  </a:blipFill>
-                </p:spPr>
-                <p:txBody>
-                  <a:bodyPr/>
-                  <a:lstStyle/>
-                  <a:p>
-                    <a:r>
-                      <a:rPr lang="en-US">
-                        <a:noFill/>
-                      </a:rPr>
-                      <a:t> </a:t>
-                    </a:r>
-                  </a:p>
-                </p:txBody>
-              </p:sp>
-            </mc:Fallback>
-          </mc:AlternateContent>
-          <mc:AlternateContent xmlns:mc="http://schemas.openxmlformats.org/markup-compatibility/2006" xmlns:a14="http://schemas.microsoft.com/office/drawing/2010/main">
-            <mc:Choice Requires="a14">
-              <p:sp>
-                <p:nvSpPr>
-                  <p:cNvPr id="21" name="TextBox 20">
-                    <a:extLst>
-                      <a:ext uri="{FF2B5EF4-FFF2-40B4-BE49-F238E27FC236}">
-                        <a16:creationId xmlns:a16="http://schemas.microsoft.com/office/drawing/2014/main" id="{ED02A0B7-75B0-B54E-B363-FBD1BA610B3D}"/>
-                      </a:ext>
-                    </a:extLst>
-                  </p:cNvPr>
-                  <p:cNvSpPr txBox="1"/>
-                  <p:nvPr/>
-                </p:nvSpPr>
-                <p:spPr>
-                  <a:xfrm>
-                    <a:off x="4762075" y="5715000"/>
-                    <a:ext cx="267124" cy="419424"/>
-                  </a:xfrm>
-                  <a:prstGeom prst="rect">
-                    <a:avLst/>
-                  </a:prstGeom>
-                  <a:solidFill>
-                    <a:schemeClr val="bg1"/>
-                  </a:solidFill>
-                </p:spPr>
-                <p:txBody>
-                  <a:bodyPr wrap="square" lIns="0" tIns="0" rIns="0" bIns="0" rtlCol="0">
-                    <a:spAutoFit/>
-                  </a:bodyPr>
-                  <a:lstStyle/>
-                  <a:p>
-                    <a:pPr/>
-                    <a14:m>
-                      <m:oMathPara xmlns:m="http://schemas.openxmlformats.org/officeDocument/2006/math">
-                        <m:oMathParaPr>
-                          <m:jc m:val="centerGroup"/>
-                        </m:oMathParaPr>
-                        <m:oMath xmlns:m="http://schemas.openxmlformats.org/officeDocument/2006/math">
-                          <m:r>
-                            <a:rPr lang="en-US" b="0" i="1" smtClean="0">
-                              <a:latin typeface="Cambria Math" panose="02040503050406030204" pitchFamily="18" charset="0"/>
-                            </a:rPr>
-                            <m:t>𝑏</m:t>
-                          </m:r>
-                        </m:oMath>
-                      </m:oMathPara>
-                    </a14:m>
-                    <a:endParaRPr lang="en-US" dirty="0"/>
-                  </a:p>
-                </p:txBody>
-              </p:sp>
-            </mc:Choice>
-            <mc:Fallback xmlns="">
-              <p:sp>
-                <p:nvSpPr>
-                  <p:cNvPr id="21" name="TextBox 20">
-                    <a:extLst>
-                      <a:ext uri="{FF2B5EF4-FFF2-40B4-BE49-F238E27FC236}">
-                        <a16:creationId xmlns:a16="http://schemas.microsoft.com/office/drawing/2014/main" id="{ED02A0B7-75B0-B54E-B363-FBD1BA610B3D}"/>
-                      </a:ext>
-                    </a:extLst>
-                  </p:cNvPr>
-                  <p:cNvSpPr txBox="1">
-                    <a:spLocks noRot="1" noChangeAspect="1" noMove="1" noResize="1" noEditPoints="1" noAdjustHandles="1" noChangeArrowheads="1" noChangeShapeType="1" noTextEdit="1"/>
-                  </p:cNvSpPr>
-                  <p:nvPr/>
-                </p:nvSpPr>
-                <p:spPr>
-                  <a:xfrm>
-                    <a:off x="4762075" y="5715000"/>
-                    <a:ext cx="267124" cy="419424"/>
-                  </a:xfrm>
-                  <a:prstGeom prst="rect">
-                    <a:avLst/>
-                  </a:prstGeom>
-                  <a:blipFill>
-                    <a:blip r:embed="rId7"/>
-                    <a:stretch>
-                      <a:fillRect l="-26667" r="-26667" b="-13043"/>
-                    </a:stretch>
-                  </a:blipFill>
-                </p:spPr>
-                <p:txBody>
-                  <a:bodyPr/>
-                  <a:lstStyle/>
-                  <a:p>
-                    <a:r>
-                      <a:rPr lang="en-US">
-                        <a:noFill/>
-                      </a:rPr>
-                      <a:t> </a:t>
-                    </a:r>
-                  </a:p>
-                </p:txBody>
-              </p:sp>
-            </mc:Fallback>
-          </mc:AlternateContent>
-          <mc:AlternateContent xmlns:mc="http://schemas.openxmlformats.org/markup-compatibility/2006" xmlns:a14="http://schemas.microsoft.com/office/drawing/2010/main">
-            <mc:Choice Requires="a14">
-              <p:sp>
-                <p:nvSpPr>
-                  <p:cNvPr id="22" name="TextBox 21">
-                    <a:extLst>
-                      <a:ext uri="{FF2B5EF4-FFF2-40B4-BE49-F238E27FC236}">
-                        <a16:creationId xmlns:a16="http://schemas.microsoft.com/office/drawing/2014/main" id="{C2D005F7-2802-484B-B39F-4714700DAE5C}"/>
-                      </a:ext>
-                    </a:extLst>
-                  </p:cNvPr>
-                  <p:cNvSpPr txBox="1"/>
-                  <p:nvPr/>
-                </p:nvSpPr>
-                <p:spPr>
-                  <a:xfrm>
-                    <a:off x="3386918" y="5057001"/>
-                    <a:ext cx="1276283" cy="279616"/>
-                  </a:xfrm>
-                  <a:prstGeom prst="rect">
-                    <a:avLst/>
-                  </a:prstGeom>
-                  <a:solidFill>
-                    <a:schemeClr val="tx2">
-                      <a:lumMod val="40000"/>
-                      <a:lumOff val="60000"/>
-                    </a:schemeClr>
-                  </a:solidFill>
-                </p:spPr>
-                <p:txBody>
-                  <a:bodyPr wrap="none" lIns="0" tIns="0" rIns="0" bIns="0" rtlCol="0">
-                    <a:spAutoFit/>
-                  </a:bodyPr>
-                  <a:lstStyle/>
-                  <a:p>
-                    <a:r>
-                      <a:rPr lang="en-US" sz="1200" b="0" dirty="0"/>
-                      <a:t>Area </a:t>
-                    </a:r>
-                    <a14:m>
-                      <m:oMath xmlns:m="http://schemas.openxmlformats.org/officeDocument/2006/math">
-                        <m:r>
-                          <a:rPr lang="en-US" sz="1200" b="0" i="1" smtClean="0">
-                            <a:latin typeface="Cambria Math" panose="02040503050406030204" pitchFamily="18" charset="0"/>
-                          </a:rPr>
-                          <m:t>=1−</m:t>
-                        </m:r>
-                        <m:r>
-                          <a:rPr lang="en-US" sz="1200" b="0" i="1" smtClean="0">
-                            <a:latin typeface="Cambria Math" panose="02040503050406030204" pitchFamily="18" charset="0"/>
-                          </a:rPr>
-                          <m:t>𝛼</m:t>
-                        </m:r>
-                      </m:oMath>
-                    </a14:m>
-                    <a:endParaRPr lang="en-US" sz="1200" dirty="0"/>
-                  </a:p>
-                </p:txBody>
-              </p:sp>
-            </mc:Choice>
-            <mc:Fallback xmlns="">
-              <p:sp>
-                <p:nvSpPr>
-                  <p:cNvPr id="22" name="TextBox 21">
-                    <a:extLst>
-                      <a:ext uri="{FF2B5EF4-FFF2-40B4-BE49-F238E27FC236}">
-                        <a16:creationId xmlns:a16="http://schemas.microsoft.com/office/drawing/2014/main" id="{C2D005F7-2802-484B-B39F-4714700DAE5C}"/>
-                      </a:ext>
-                    </a:extLst>
-                  </p:cNvPr>
-                  <p:cNvSpPr txBox="1">
-                    <a:spLocks noRot="1" noChangeAspect="1" noMove="1" noResize="1" noEditPoints="1" noAdjustHandles="1" noChangeArrowheads="1" noChangeShapeType="1" noTextEdit="1"/>
-                  </p:cNvSpPr>
-                  <p:nvPr/>
-                </p:nvSpPr>
-                <p:spPr>
-                  <a:xfrm>
-                    <a:off x="3386918" y="5057001"/>
-                    <a:ext cx="1276283" cy="279616"/>
-                  </a:xfrm>
-                  <a:prstGeom prst="rect">
-                    <a:avLst/>
-                  </a:prstGeom>
-                  <a:blipFill>
-                    <a:blip r:embed="rId8"/>
-                    <a:stretch>
-                      <a:fillRect l="-8451" t="-18750" r="-2817" b="-43750"/>
-                    </a:stretch>
-                  </a:blipFill>
-                </p:spPr>
-                <p:txBody>
-                  <a:bodyPr/>
-                  <a:lstStyle/>
-                  <a:p>
-                    <a:r>
-                      <a:rPr lang="en-US">
-                        <a:noFill/>
-                      </a:rPr>
-                      <a:t> </a:t>
-                    </a:r>
-                  </a:p>
-                </p:txBody>
-              </p:sp>
-            </mc:Fallback>
-          </mc:AlternateContent>
-        </p:grpSp>
-        <mc:AlternateContent xmlns:mc="http://schemas.openxmlformats.org/markup-compatibility/2006" xmlns:a14="http://schemas.microsoft.com/office/drawing/2010/main">
-          <mc:Choice Requires="a14">
-            <p:sp>
-              <p:nvSpPr>
-                <p:cNvPr id="13" name="TextBox 12">
-                  <a:extLst>
-                    <a:ext uri="{FF2B5EF4-FFF2-40B4-BE49-F238E27FC236}">
-                      <a16:creationId xmlns:a16="http://schemas.microsoft.com/office/drawing/2014/main" id="{26E09CCA-EA04-B847-9C56-2DFA900DEAEE}"/>
-                    </a:ext>
-                  </a:extLst>
-                </p:cNvPr>
-                <p:cNvSpPr txBox="1"/>
-                <p:nvPr/>
-              </p:nvSpPr>
-              <p:spPr>
-                <a:xfrm>
-                  <a:off x="3235594" y="4117245"/>
-                  <a:ext cx="1674421" cy="388550"/>
-                </a:xfrm>
-                <a:prstGeom prst="rect">
-                  <a:avLst/>
-                </a:prstGeom>
-                <a:solidFill>
-                  <a:schemeClr val="bg1"/>
-                </a:solidFill>
-              </p:spPr>
-              <p:txBody>
-                <a:bodyPr wrap="none" lIns="0" tIns="0" rIns="0" bIns="0" rtlCol="0">
-                  <a:spAutoFit/>
-                </a:bodyPr>
-                <a:lstStyle/>
-                <a:p>
-                  <a14:m>
-                    <m:oMath xmlns:m="http://schemas.openxmlformats.org/officeDocument/2006/math">
-                      <m:acc>
-                        <m:accPr>
-                          <m:chr m:val="̂"/>
-                          <m:ctrlPr>
-                            <a:rPr lang="en-US" sz="1600" b="0" i="1" smtClean="0">
-                              <a:latin typeface="Cambria Math" panose="02040503050406030204" pitchFamily="18" charset="0"/>
-                            </a:rPr>
-                          </m:ctrlPr>
-                        </m:accPr>
-                        <m:e>
-                          <m:r>
-                            <a:rPr lang="en-US" sz="1600" b="0" i="1" smtClean="0">
-                              <a:latin typeface="Cambria Math" panose="02040503050406030204" pitchFamily="18" charset="0"/>
-                            </a:rPr>
-                            <m:t>𝜃</m:t>
-                          </m:r>
-                        </m:e>
-                      </m:acc>
-                    </m:oMath>
-                  </a14:m>
-                  <a:r>
-                    <a:rPr lang="en-US" sz="1600" dirty="0"/>
-                    <a:t> distribution</a:t>
-                  </a:r>
-                </a:p>
-              </p:txBody>
-            </p:sp>
-          </mc:Choice>
-          <mc:Fallback xmlns="">
-            <p:sp>
-              <p:nvSpPr>
-                <p:cNvPr id="13" name="TextBox 12">
-                  <a:extLst>
-                    <a:ext uri="{FF2B5EF4-FFF2-40B4-BE49-F238E27FC236}">
-                      <a16:creationId xmlns:a16="http://schemas.microsoft.com/office/drawing/2014/main" id="{26E09CCA-EA04-B847-9C56-2DFA900DEAEE}"/>
-                    </a:ext>
-                  </a:extLst>
-                </p:cNvPr>
-                <p:cNvSpPr txBox="1">
-                  <a:spLocks noRot="1" noChangeAspect="1" noMove="1" noResize="1" noEditPoints="1" noAdjustHandles="1" noChangeArrowheads="1" noChangeShapeType="1" noTextEdit="1"/>
-                </p:cNvSpPr>
-                <p:nvPr/>
-              </p:nvSpPr>
-              <p:spPr>
-                <a:xfrm>
-                  <a:off x="3235594" y="4117245"/>
-                  <a:ext cx="1674421" cy="388550"/>
-                </a:xfrm>
-                <a:prstGeom prst="rect">
-                  <a:avLst/>
-                </a:prstGeom>
-                <a:blipFill>
-                  <a:blip r:embed="rId9"/>
-                  <a:stretch>
-                    <a:fillRect l="-6452" t="-19048" r="-8602" b="-42857"/>
-                  </a:stretch>
-                </a:blipFill>
-              </p:spPr>
-              <p:txBody>
-                <a:bodyPr/>
-                <a:lstStyle/>
-                <a:p>
-                  <a:r>
-                    <a:rPr lang="en-US">
-                      <a:noFill/>
-                    </a:rPr>
-                    <a:t> </a:t>
-                  </a:r>
-                </a:p>
-              </p:txBody>
-            </p:sp>
-          </mc:Fallback>
-        </mc:AlternateContent>
-        <mc:AlternateContent xmlns:mc="http://schemas.openxmlformats.org/markup-compatibility/2006" xmlns:a14="http://schemas.microsoft.com/office/drawing/2010/main">
-          <mc:Choice Requires="a14">
-            <p:sp>
-              <p:nvSpPr>
-                <p:cNvPr id="14" name="TextBox 13">
-                  <a:extLst>
-                    <a:ext uri="{FF2B5EF4-FFF2-40B4-BE49-F238E27FC236}">
-                      <a16:creationId xmlns:a16="http://schemas.microsoft.com/office/drawing/2014/main" id="{6F8C23BF-4376-A644-9E08-19ED35EAE3FB}"/>
-                    </a:ext>
-                  </a:extLst>
-                </p:cNvPr>
-                <p:cNvSpPr txBox="1"/>
-                <p:nvPr/>
-              </p:nvSpPr>
-              <p:spPr>
-                <a:xfrm>
-                  <a:off x="3938832" y="5231161"/>
-                  <a:ext cx="821518" cy="408550"/>
-                </a:xfrm>
-                <a:prstGeom prst="rect">
-                  <a:avLst/>
-                </a:prstGeom>
-                <a:noFill/>
-              </p:spPr>
-              <p:txBody>
-                <a:bodyPr wrap="none" lIns="0" tIns="0" rIns="0" bIns="0" rtlCol="0">
-                  <a:spAutoFit/>
-                </a:bodyPr>
-                <a:lstStyle/>
-                <a:p>
-                  <a:r>
-                    <a:rPr lang="en-US" sz="1200" b="0" dirty="0"/>
-                    <a:t>Area = </a:t>
-                  </a:r>
-                  <a14:m>
-                    <m:oMath xmlns:m="http://schemas.openxmlformats.org/officeDocument/2006/math">
-                      <m:f>
-                        <m:fPr>
-                          <m:ctrlPr>
-                            <a:rPr lang="en-US" sz="1200" b="0" i="1" smtClean="0">
-                              <a:latin typeface="Cambria Math" panose="02040503050406030204" pitchFamily="18" charset="0"/>
-                            </a:rPr>
-                          </m:ctrlPr>
-                        </m:fPr>
-                        <m:num>
-                          <m:r>
-                            <a:rPr lang="en-US" sz="1200" b="0" i="1" smtClean="0">
-                              <a:latin typeface="Cambria Math" panose="02040503050406030204" pitchFamily="18" charset="0"/>
-                            </a:rPr>
-                            <m:t>𝜃</m:t>
-                          </m:r>
-                        </m:num>
-                        <m:den>
-                          <m:r>
-                            <a:rPr lang="en-US" sz="1200" b="0" i="1" smtClean="0">
-                              <a:latin typeface="Cambria Math" panose="02040503050406030204" pitchFamily="18" charset="0"/>
-                            </a:rPr>
-                            <m:t>2</m:t>
-                          </m:r>
-                        </m:den>
-                      </m:f>
-                    </m:oMath>
-                  </a14:m>
-                  <a:endParaRPr lang="en-US" sz="1200" dirty="0"/>
-                </a:p>
-              </p:txBody>
-            </p:sp>
-          </mc:Choice>
-          <mc:Fallback xmlns="">
-            <p:sp>
-              <p:nvSpPr>
-                <p:cNvPr id="14" name="TextBox 13">
-                  <a:extLst>
-                    <a:ext uri="{FF2B5EF4-FFF2-40B4-BE49-F238E27FC236}">
-                      <a16:creationId xmlns:a16="http://schemas.microsoft.com/office/drawing/2014/main" id="{6F8C23BF-4376-A644-9E08-19ED35EAE3FB}"/>
-                    </a:ext>
-                  </a:extLst>
-                </p:cNvPr>
-                <p:cNvSpPr txBox="1">
-                  <a:spLocks noRot="1" noChangeAspect="1" noMove="1" noResize="1" noEditPoints="1" noAdjustHandles="1" noChangeArrowheads="1" noChangeShapeType="1" noTextEdit="1"/>
-                </p:cNvSpPr>
-                <p:nvPr/>
-              </p:nvSpPr>
-              <p:spPr>
-                <a:xfrm>
-                  <a:off x="3938832" y="5231161"/>
-                  <a:ext cx="821518" cy="408550"/>
-                </a:xfrm>
-                <a:prstGeom prst="rect">
-                  <a:avLst/>
-                </a:prstGeom>
-                <a:blipFill>
-                  <a:blip r:embed="rId10"/>
-                  <a:stretch>
-                    <a:fillRect l="-12766" r="-4255" b="-18182"/>
-                  </a:stretch>
-                </a:blipFill>
-              </p:spPr>
-              <p:txBody>
-                <a:bodyPr/>
-                <a:lstStyle/>
-                <a:p>
-                  <a:r>
-                    <a:rPr lang="en-US">
-                      <a:noFill/>
-                    </a:rPr>
-                    <a:t> </a:t>
-                  </a:r>
-                </a:p>
-              </p:txBody>
-            </p:sp>
-          </mc:Fallback>
-        </mc:AlternateContent>
-        <mc:AlternateContent xmlns:mc="http://schemas.openxmlformats.org/markup-compatibility/2006" xmlns:a14="http://schemas.microsoft.com/office/drawing/2010/main">
-          <mc:Choice Requires="a14">
-            <p:sp>
-              <p:nvSpPr>
-                <p:cNvPr id="15" name="TextBox 14">
-                  <a:extLst>
-                    <a:ext uri="{FF2B5EF4-FFF2-40B4-BE49-F238E27FC236}">
-                      <a16:creationId xmlns:a16="http://schemas.microsoft.com/office/drawing/2014/main" id="{FABE7394-AD65-BF4F-9A26-3A4548DF83BD}"/>
-                    </a:ext>
-                  </a:extLst>
-                </p:cNvPr>
-                <p:cNvSpPr txBox="1"/>
-                <p:nvPr/>
-              </p:nvSpPr>
-              <p:spPr>
-                <a:xfrm>
-                  <a:off x="695086" y="5205458"/>
-                  <a:ext cx="821518" cy="408550"/>
-                </a:xfrm>
-                <a:prstGeom prst="rect">
-                  <a:avLst/>
-                </a:prstGeom>
-                <a:noFill/>
-              </p:spPr>
-              <p:txBody>
-                <a:bodyPr wrap="none" lIns="0" tIns="0" rIns="0" bIns="0" rtlCol="0">
-                  <a:spAutoFit/>
-                </a:bodyPr>
-                <a:lstStyle/>
-                <a:p>
-                  <a:r>
-                    <a:rPr lang="en-US" sz="1200" b="0" dirty="0"/>
-                    <a:t>Area = </a:t>
-                  </a:r>
-                  <a14:m>
-                    <m:oMath xmlns:m="http://schemas.openxmlformats.org/officeDocument/2006/math">
-                      <m:f>
-                        <m:fPr>
-                          <m:ctrlPr>
-                            <a:rPr lang="en-US" sz="1200" b="0" i="1" smtClean="0">
-                              <a:latin typeface="Cambria Math" panose="02040503050406030204" pitchFamily="18" charset="0"/>
-                            </a:rPr>
-                          </m:ctrlPr>
-                        </m:fPr>
-                        <m:num>
-                          <m:r>
-                            <a:rPr lang="en-US" sz="1200" b="0" i="1" smtClean="0">
-                              <a:latin typeface="Cambria Math" panose="02040503050406030204" pitchFamily="18" charset="0"/>
-                            </a:rPr>
-                            <m:t>𝜃</m:t>
-                          </m:r>
-                        </m:num>
-                        <m:den>
-                          <m:r>
-                            <a:rPr lang="en-US" sz="1200" b="0" i="1" smtClean="0">
-                              <a:latin typeface="Cambria Math" panose="02040503050406030204" pitchFamily="18" charset="0"/>
-                            </a:rPr>
-                            <m:t>2</m:t>
-                          </m:r>
-                        </m:den>
-                      </m:f>
-                    </m:oMath>
-                  </a14:m>
-                  <a:endParaRPr lang="en-US" sz="1200" dirty="0"/>
-                </a:p>
-              </p:txBody>
-            </p:sp>
-          </mc:Choice>
-          <mc:Fallback xmlns="">
-            <p:sp>
-              <p:nvSpPr>
-                <p:cNvPr id="15" name="TextBox 14">
-                  <a:extLst>
-                    <a:ext uri="{FF2B5EF4-FFF2-40B4-BE49-F238E27FC236}">
-                      <a16:creationId xmlns:a16="http://schemas.microsoft.com/office/drawing/2014/main" id="{FABE7394-AD65-BF4F-9A26-3A4548DF83BD}"/>
-                    </a:ext>
-                  </a:extLst>
-                </p:cNvPr>
-                <p:cNvSpPr txBox="1">
-                  <a:spLocks noRot="1" noChangeAspect="1" noMove="1" noResize="1" noEditPoints="1" noAdjustHandles="1" noChangeArrowheads="1" noChangeShapeType="1" noTextEdit="1"/>
-                </p:cNvSpPr>
-                <p:nvPr/>
-              </p:nvSpPr>
-              <p:spPr>
-                <a:xfrm>
-                  <a:off x="695086" y="5205458"/>
-                  <a:ext cx="821518" cy="408550"/>
-                </a:xfrm>
-                <a:prstGeom prst="rect">
-                  <a:avLst/>
-                </a:prstGeom>
-                <a:blipFill>
-                  <a:blip r:embed="rId11"/>
-                  <a:stretch>
-                    <a:fillRect l="-17778" r="-4444" b="-18182"/>
-                  </a:stretch>
-                </a:blipFill>
-              </p:spPr>
-              <p:txBody>
-                <a:bodyPr/>
-                <a:lstStyle/>
-                <a:p>
-                  <a:r>
-                    <a:rPr lang="en-US">
-                      <a:noFill/>
-                    </a:rPr>
-                    <a:t> </a:t>
-                  </a:r>
-                </a:p>
-              </p:txBody>
-            </p:sp>
-          </mc:Fallback>
-        </mc:AlternateContent>
-      </p:grpSp>
-    </p:spTree>
-    <p:extLst>
-      <p:ext uri="{BB962C8B-B14F-4D97-AF65-F5344CB8AC3E}">
-        <p14:creationId xmlns:p14="http://schemas.microsoft.com/office/powerpoint/2010/main" val="342624097"/>
       </p:ext>
     </p:extLst>
   </p:cSld>
